--- a/08_JSX.pptx
+++ b/08_JSX.pptx
@@ -5,17 +5,26 @@
     <p:sldMasterId id="2147483648" r:id="rId1"/>
   </p:sldMasterIdLst>
   <p:notesMasterIdLst>
-    <p:notesMasterId r:id="rId10"/>
+    <p:notesMasterId r:id="rId19"/>
   </p:notesMasterIdLst>
   <p:sldIdLst>
     <p:sldId id="256" r:id="rId2"/>
     <p:sldId id="263" r:id="rId3"/>
-    <p:sldId id="264" r:id="rId4"/>
-    <p:sldId id="266" r:id="rId5"/>
-    <p:sldId id="265" r:id="rId6"/>
-    <p:sldId id="267" r:id="rId7"/>
-    <p:sldId id="268" r:id="rId8"/>
-    <p:sldId id="259" r:id="rId9"/>
+    <p:sldId id="271" r:id="rId4"/>
+    <p:sldId id="264" r:id="rId5"/>
+    <p:sldId id="273" r:id="rId6"/>
+    <p:sldId id="272" r:id="rId7"/>
+    <p:sldId id="274" r:id="rId8"/>
+    <p:sldId id="266" r:id="rId9"/>
+    <p:sldId id="275" r:id="rId10"/>
+    <p:sldId id="265" r:id="rId11"/>
+    <p:sldId id="267" r:id="rId12"/>
+    <p:sldId id="268" r:id="rId13"/>
+    <p:sldId id="269" r:id="rId14"/>
+    <p:sldId id="277" r:id="rId15"/>
+    <p:sldId id="276" r:id="rId16"/>
+    <p:sldId id="270" r:id="rId17"/>
+    <p:sldId id="259" r:id="rId18"/>
   </p:sldIdLst>
   <p:sldSz cx="9144000" cy="6858000" type="screen4x3"/>
   <p:notesSz cx="6858000" cy="9144000"/>
@@ -216,7 +225,7 @@
             <a:fld id="{6837EDA8-41C8-4B24-A206-13C08A65A6D7}" type="datetimeFigureOut">
               <a:rPr lang="zh-TW" altLang="en-US" smtClean="0"/>
               <a:pPr/>
-              <a:t>2020/3/31</a:t>
+              <a:t>2020/6/28</a:t>
             </a:fld>
             <a:endParaRPr lang="zh-TW" altLang="en-US"/>
           </a:p>
@@ -669,7 +678,7 @@
             <a:fld id="{8B85509C-BD4F-47BF-9B1E-FC2E949B3621}" type="datetime1">
               <a:rPr lang="zh-TW" altLang="en-US" smtClean="0"/>
               <a:pPr/>
-              <a:t>2020/3/31</a:t>
+              <a:t>2020/6/28</a:t>
             </a:fld>
             <a:endParaRPr lang="zh-TW" altLang="en-US"/>
           </a:p>
@@ -842,7 +851,7 @@
             <a:fld id="{42251B24-F787-4C15-8A0F-7AEC20C70069}" type="datetime1">
               <a:rPr lang="zh-TW" altLang="en-US" smtClean="0"/>
               <a:pPr/>
-              <a:t>2020/3/31</a:t>
+              <a:t>2020/6/28</a:t>
             </a:fld>
             <a:endParaRPr lang="zh-TW" altLang="en-US"/>
           </a:p>
@@ -1017,7 +1026,7 @@
             <a:fld id="{9CA0D33C-CE2B-45F1-B8D4-FFD1F131F331}" type="datetime1">
               <a:rPr lang="zh-TW" altLang="en-US" smtClean="0"/>
               <a:pPr/>
-              <a:t>2020/3/31</a:t>
+              <a:t>2020/6/28</a:t>
             </a:fld>
             <a:endParaRPr lang="zh-TW" altLang="en-US"/>
           </a:p>
@@ -1182,7 +1191,7 @@
             <a:fld id="{50B99440-D9EF-40CC-9B52-F6428D9B2C76}" type="datetime1">
               <a:rPr lang="zh-TW" altLang="en-US" smtClean="0"/>
               <a:pPr/>
-              <a:t>2020/3/31</a:t>
+              <a:t>2020/6/28</a:t>
             </a:fld>
             <a:endParaRPr lang="zh-TW" altLang="en-US"/>
           </a:p>
@@ -1424,7 +1433,7 @@
             <a:fld id="{0871BF52-5C6C-4959-8E27-CECB68D39FE4}" type="datetime1">
               <a:rPr lang="zh-TW" altLang="en-US" smtClean="0"/>
               <a:pPr/>
-              <a:t>2020/3/31</a:t>
+              <a:t>2020/6/28</a:t>
             </a:fld>
             <a:endParaRPr lang="zh-TW" altLang="en-US"/>
           </a:p>
@@ -1706,7 +1715,7 @@
             <a:fld id="{DF863F05-2DD9-4EB1-A827-12FD992DE9DC}" type="datetime1">
               <a:rPr lang="zh-TW" altLang="en-US" smtClean="0"/>
               <a:pPr/>
-              <a:t>2020/3/31</a:t>
+              <a:t>2020/6/28</a:t>
             </a:fld>
             <a:endParaRPr lang="zh-TW" altLang="en-US"/>
           </a:p>
@@ -2122,7 +2131,7 @@
             <a:fld id="{6339AF51-4491-4873-A096-75DB6CE47516}" type="datetime1">
               <a:rPr lang="zh-TW" altLang="en-US" smtClean="0"/>
               <a:pPr/>
-              <a:t>2020/3/31</a:t>
+              <a:t>2020/6/28</a:t>
             </a:fld>
             <a:endParaRPr lang="zh-TW" altLang="en-US"/>
           </a:p>
@@ -2236,7 +2245,7 @@
             <a:fld id="{EE4AD9C8-8B9E-40FF-ABE2-858AC2057BBB}" type="datetime1">
               <a:rPr lang="zh-TW" altLang="en-US" smtClean="0"/>
               <a:pPr/>
-              <a:t>2020/3/31</a:t>
+              <a:t>2020/6/28</a:t>
             </a:fld>
             <a:endParaRPr lang="zh-TW" altLang="en-US"/>
           </a:p>
@@ -2328,7 +2337,7 @@
             <a:fld id="{B4784999-BBBE-4BE4-A8D0-877E7D1D66CC}" type="datetime1">
               <a:rPr lang="zh-TW" altLang="en-US" smtClean="0"/>
               <a:pPr/>
-              <a:t>2020/3/31</a:t>
+              <a:t>2020/6/28</a:t>
             </a:fld>
             <a:endParaRPr lang="zh-TW" altLang="en-US"/>
           </a:p>
@@ -2600,7 +2609,7 @@
             <a:fld id="{E88D17E6-02BD-4944-B9FE-7BFCCBF83D48}" type="datetime1">
               <a:rPr lang="zh-TW" altLang="en-US" smtClean="0"/>
               <a:pPr/>
-              <a:t>2020/3/31</a:t>
+              <a:t>2020/6/28</a:t>
             </a:fld>
             <a:endParaRPr lang="zh-TW" altLang="en-US"/>
           </a:p>
@@ -2849,7 +2858,7 @@
             <a:fld id="{3C13E23D-1FEF-4D78-A3A3-3D6F2BB31954}" type="datetime1">
               <a:rPr lang="zh-TW" altLang="en-US" smtClean="0"/>
               <a:pPr/>
-              <a:t>2020/3/31</a:t>
+              <a:t>2020/6/28</a:t>
             </a:fld>
             <a:endParaRPr lang="zh-TW" altLang="en-US"/>
           </a:p>
@@ -3057,7 +3066,7 @@
             <a:fld id="{06197F35-AD6F-4594-8B50-334492D2E7E8}" type="datetime1">
               <a:rPr lang="zh-TW" altLang="en-US" smtClean="0"/>
               <a:pPr/>
-              <a:t>2020/3/31</a:t>
+              <a:t>2020/6/28</a:t>
             </a:fld>
             <a:endParaRPr lang="zh-TW" altLang="en-US"/>
           </a:p>
@@ -3518,7 +3527,7 @@
             <a:fld id="{C389EDC9-19E3-47AC-9C57-C6A24DEA81AD}" type="datetime1">
               <a:rPr lang="zh-TW" altLang="en-US" smtClean="0"/>
               <a:pPr/>
-              <a:t>2020/3/31</a:t>
+              <a:t>2020/6/28</a:t>
             </a:fld>
             <a:endParaRPr lang="zh-TW" altLang="en-US"/>
           </a:p>
@@ -3588,7 +3597,7 @@
 </p:sld>
 </file>
 
-<file path=ppt/slides/slide2.xml><?xml version="1.0" encoding="utf-8"?>
+<file path=ppt/slides/slide10.xml><?xml version="1.0" encoding="utf-8"?>
 <p:sld xmlns:a="http://schemas.openxmlformats.org/drawingml/2006/main" xmlns:r="http://schemas.openxmlformats.org/officeDocument/2006/relationships" xmlns:p="http://schemas.openxmlformats.org/presentationml/2006/main">
   <p:cSld>
     <p:spTree>
@@ -3655,12 +3664,12 @@
           <a:p>
             <a:pPr algn="l"/>
             <a:r>
-              <a:rPr lang="en-US" altLang="zh-TW" b="1" dirty="0">
+              <a:rPr lang="en-US" altLang="zh-TW" sz="4400" b="1" dirty="0">
                 <a:solidFill>
                   <a:srgbClr val="FFFF00"/>
                 </a:solidFill>
               </a:rPr>
-              <a:t>8 JSX</a:t>
+              <a:t>8.3 HTML vs. JSX</a:t>
             </a:r>
             <a:endParaRPr lang="zh-TW" altLang="en-US" b="1" dirty="0">
               <a:solidFill>
@@ -3682,8 +3691,8 @@
         </p:nvSpPr>
         <p:spPr>
           <a:xfrm>
-            <a:off x="467544" y="1340766"/>
-            <a:ext cx="8219256" cy="4032450"/>
+            <a:off x="467544" y="1340765"/>
+            <a:ext cx="8219256" cy="1584179"/>
           </a:xfrm>
           <a:ln>
             <a:solidFill>
@@ -3706,7 +3715,7 @@
               <a:buChar char="u"/>
             </a:pPr>
             <a:r>
-              <a:rPr lang="en-US" altLang="zh-TW" sz="1600" b="1" dirty="0">
+              <a:rPr lang="en-US" altLang="zh-TW" sz="1800" b="1" dirty="0">
                 <a:solidFill>
                   <a:schemeClr val="tx1"/>
                 </a:solidFill>
@@ -3725,13 +3734,13 @@
               <a:buChar char="u"/>
             </a:pPr>
             <a:r>
-              <a:rPr lang="en-US" altLang="zh-TW" sz="1600" b="1" dirty="0">
+              <a:rPr lang="en-US" altLang="zh-TW" sz="1800" b="1" dirty="0">
                 <a:solidFill>
                   <a:schemeClr val="tx1"/>
                 </a:solidFill>
                 <a:latin typeface="+mj-lt"/>
               </a:rPr>
-              <a:t>React uses a lot of JSX. It is really import what JSX.</a:t>
+              <a:t>The React Library include the translation of JSX into JavaScript code.</a:t>
             </a:r>
           </a:p>
           <a:p>
@@ -3744,13 +3753,13 @@
               <a:buChar char="u"/>
             </a:pPr>
             <a:r>
-              <a:rPr lang="en-US" altLang="zh-TW" sz="1600" b="1" dirty="0">
-                <a:solidFill>
-                  <a:srgbClr val="C00000"/>
+              <a:rPr lang="en-US" altLang="zh-TW" sz="1800" b="1" dirty="0">
+                <a:solidFill>
+                  <a:schemeClr val="tx1"/>
                 </a:solidFill>
                 <a:latin typeface="+mj-lt"/>
               </a:rPr>
-              <a:t>JavaScript XML (JSX): Extension to the JavaScript language syntax.</a:t>
+              <a:t>If we have hundreds of elements, the JavaScript code to create element will become very clumsy. </a:t>
             </a:r>
           </a:p>
           <a:p>
@@ -3763,203 +3772,14 @@
               <a:buChar char="u"/>
             </a:pPr>
             <a:r>
-              <a:rPr lang="en-US" altLang="zh-TW" sz="1600" b="1" dirty="0">
-                <a:solidFill>
-                  <a:srgbClr val="C00000"/>
+              <a:rPr lang="en-US" altLang="zh-TW" sz="1800" b="1" dirty="0">
+                <a:solidFill>
+                  <a:schemeClr val="tx1"/>
                 </a:solidFill>
                 <a:latin typeface="+mj-lt"/>
               </a:rPr>
-              <a:t>JSX let you write XML-like code for elements and components.</a:t>
-            </a:r>
-          </a:p>
-          <a:p>
-            <a:pPr marL="342900" indent="-342900" algn="l">
-              <a:buClr>
-                <a:srgbClr val="0070C0"/>
-              </a:buClr>
-              <a:buSzPct val="80000"/>
-              <a:buFont typeface="Wingdings" pitchFamily="2" charset="2"/>
-              <a:buChar char="u"/>
-            </a:pPr>
-            <a:r>
-              <a:rPr lang="en-US" altLang="zh-TW" sz="1600" b="1" dirty="0">
-                <a:solidFill>
-                  <a:srgbClr val="C00000"/>
-                </a:solidFill>
-                <a:latin typeface="+mj-lt"/>
-              </a:rPr>
-              <a:t>Just like HTML, JSX tags have a tag name, attributes, and children.</a:t>
-            </a:r>
-          </a:p>
-          <a:p>
-            <a:pPr marL="342900" indent="-342900" algn="l">
-              <a:buClr>
-                <a:srgbClr val="0070C0"/>
-              </a:buClr>
-              <a:buSzPct val="80000"/>
-              <a:buFont typeface="Wingdings" pitchFamily="2" charset="2"/>
-              <a:buChar char="u"/>
-            </a:pPr>
-            <a:r>
-              <a:rPr lang="en-US" altLang="zh-TW" sz="1600" b="1" dirty="0">
-                <a:solidFill>
-                  <a:schemeClr val="tx1"/>
-                </a:solidFill>
-                <a:latin typeface="+mj-lt"/>
-              </a:rPr>
-              <a:t>Why do we need JSX?</a:t>
-            </a:r>
-          </a:p>
-          <a:p>
-            <a:pPr marL="342900" indent="-342900" algn="l">
-              <a:buClr>
-                <a:srgbClr val="0070C0"/>
-              </a:buClr>
-              <a:buSzPct val="80000"/>
-              <a:buFont typeface="Wingdings" pitchFamily="2" charset="2"/>
-              <a:buChar char="u"/>
-            </a:pPr>
-            <a:r>
-              <a:rPr lang="en-US" altLang="zh-TW" sz="1600" b="1" dirty="0">
-                <a:solidFill>
-                  <a:srgbClr val="C00000"/>
-                </a:solidFill>
-                <a:latin typeface="+mj-lt"/>
-              </a:rPr>
-              <a:t>JSX is not a necessity to write React applications. </a:t>
-            </a:r>
-            <a:r>
-              <a:rPr lang="en-US" altLang="zh-TW" sz="1600" b="1" dirty="0">
-                <a:solidFill>
-                  <a:schemeClr val="tx1"/>
-                </a:solidFill>
-                <a:latin typeface="+mj-lt"/>
-              </a:rPr>
-              <a:t>You can definitely use React without JSX.</a:t>
-            </a:r>
-          </a:p>
-          <a:p>
-            <a:pPr marL="342900" indent="-342900" algn="l">
-              <a:buClr>
-                <a:srgbClr val="0070C0"/>
-              </a:buClr>
-              <a:buSzPct val="80000"/>
-              <a:buFont typeface="Wingdings" pitchFamily="2" charset="2"/>
-              <a:buChar char="u"/>
-            </a:pPr>
-            <a:r>
-              <a:rPr lang="en-US" altLang="zh-TW" sz="1600" b="1" dirty="0">
-                <a:solidFill>
-                  <a:srgbClr val="C00000"/>
-                </a:solidFill>
-                <a:latin typeface="+mj-lt"/>
-              </a:rPr>
-              <a:t>JSX makes your React code simpler and elegant. </a:t>
-            </a:r>
-            <a:r>
-              <a:rPr lang="en-US" altLang="zh-TW" sz="1600" b="1" dirty="0">
-                <a:solidFill>
-                  <a:schemeClr val="tx1"/>
-                </a:solidFill>
-                <a:latin typeface="+mj-lt"/>
-              </a:rPr>
-              <a:t>As you already seen, it provides a syntax which is familiar to many developers.</a:t>
-            </a:r>
-          </a:p>
-          <a:p>
-            <a:pPr marL="342900" indent="-342900" algn="l">
-              <a:buClr>
-                <a:srgbClr val="0070C0"/>
-              </a:buClr>
-              <a:buSzPct val="80000"/>
-              <a:buFont typeface="Wingdings" pitchFamily="2" charset="2"/>
-              <a:buChar char="u"/>
-            </a:pPr>
-            <a:r>
-              <a:rPr lang="en-US" altLang="zh-TW" sz="1600" b="1" dirty="0">
-                <a:solidFill>
-                  <a:srgbClr val="C00000"/>
-                </a:solidFill>
-                <a:latin typeface="+mj-lt"/>
-              </a:rPr>
-              <a:t>JSX ultimately transpiles to pure JavaScript which is understood by the browsers. </a:t>
-            </a:r>
-            <a:r>
-              <a:rPr lang="en-US" altLang="zh-TW" sz="1600" b="1" dirty="0">
-                <a:solidFill>
-                  <a:schemeClr val="tx1"/>
-                </a:solidFill>
-                <a:latin typeface="+mj-lt"/>
-              </a:rPr>
-              <a:t>We discuss what is JXS and why do we use it. How it works behind the scenes. </a:t>
-            </a:r>
-          </a:p>
-          <a:p>
-            <a:pPr marL="342900" indent="-342900" algn="l">
-              <a:buClr>
-                <a:srgbClr val="0070C0"/>
-              </a:buClr>
-              <a:buSzPct val="80000"/>
-              <a:buFont typeface="Wingdings" pitchFamily="2" charset="2"/>
-              <a:buChar char="u"/>
-            </a:pPr>
-            <a:r>
-              <a:rPr lang="en-US" altLang="zh-TW" sz="1600" b="1" dirty="0">
-                <a:solidFill>
-                  <a:schemeClr val="tx1"/>
-                </a:solidFill>
-                <a:latin typeface="+mj-lt"/>
-              </a:rPr>
-              <a:t>What is the code looks like without the JSX and with JSX? That way, you not only understand how JXS translates to regular JavaScript but also appreciate how JSX bring out simplicity in your code.</a:t>
-            </a:r>
-          </a:p>
-          <a:p>
-            <a:pPr marL="342900" indent="-342900" algn="l">
-              <a:buClr>
-                <a:srgbClr val="0070C0"/>
-              </a:buClr>
-              <a:buSzPct val="80000"/>
-              <a:buFont typeface="Wingdings" pitchFamily="2" charset="2"/>
-              <a:buChar char="u"/>
-            </a:pPr>
-            <a:endParaRPr lang="en-US" altLang="zh-TW" sz="1600" b="1" dirty="0">
-              <a:solidFill>
-                <a:srgbClr val="C00000"/>
-              </a:solidFill>
-              <a:latin typeface="+mj-lt"/>
-            </a:endParaRPr>
-          </a:p>
-          <a:p>
-            <a:pPr marL="342900" indent="-342900" algn="l">
-              <a:buClr>
-                <a:srgbClr val="0070C0"/>
-              </a:buClr>
-              <a:buSzPct val="80000"/>
-              <a:buFont typeface="Wingdings" pitchFamily="2" charset="2"/>
-              <a:buChar char="u"/>
-            </a:pPr>
-            <a:endParaRPr lang="en-US" altLang="zh-TW" sz="1600" b="1" dirty="0">
-              <a:solidFill>
-                <a:schemeClr val="tx1"/>
-              </a:solidFill>
-              <a:latin typeface="+mj-lt"/>
-            </a:endParaRPr>
-          </a:p>
-          <a:p>
-            <a:pPr marL="342900" indent="-342900" algn="l">
-              <a:buClr>
-                <a:srgbClr val="0070C0"/>
-              </a:buClr>
-              <a:buSzPct val="80000"/>
-              <a:buFont typeface="Wingdings" pitchFamily="2" charset="2"/>
-              <a:buChar char="u"/>
-            </a:pPr>
-            <a:endParaRPr lang="en-US" altLang="zh-TW" sz="1600" b="1" dirty="0">
-              <a:solidFill>
-                <a:schemeClr val="tx1"/>
-              </a:solidFill>
-              <a:latin typeface="+mj-lt"/>
-            </a:endParaRPr>
+              <a:t>JSX, on the other hand, will keep the code elegant, simple, and readable.</a:t>
+            </a:r>
           </a:p>
         </p:txBody>
       </p:sp>
@@ -4045,7 +3865,7 @@
             <a:fld id="{A4F910E6-8D00-4BAF-8C48-9688E0B449D3}" type="datetime1">
               <a:rPr lang="zh-TW" altLang="en-US" smtClean="0"/>
               <a:pPr/>
-              <a:t>2020/3/31</a:t>
+              <a:t>2020/6/28</a:t>
             </a:fld>
             <a:endParaRPr lang="zh-TW" altLang="en-US"/>
           </a:p>
@@ -4074,13 +3894,18 @@
             <a:fld id="{E4D7E63D-91F2-4366-A2C4-1B00C9E2590E}" type="slidenum">
               <a:rPr lang="zh-TW" altLang="en-US" smtClean="0"/>
               <a:pPr/>
-              <a:t>2</a:t>
+              <a:t>10</a:t>
             </a:fld>
             <a:endParaRPr lang="zh-TW" altLang="en-US"/>
           </a:p>
         </p:txBody>
       </p:sp>
     </p:spTree>
+    <p:extLst>
+      <p:ext uri="{BB962C8B-B14F-4D97-AF65-F5344CB8AC3E}">
+        <p14:creationId xmlns:p14="http://schemas.microsoft.com/office/powerpoint/2010/main" val="1441412417"/>
+      </p:ext>
+    </p:extLst>
   </p:cSld>
   <p:clrMapOvr>
     <a:masterClrMapping/>
@@ -4088,7 +3913,7 @@
 </p:sld>
 </file>
 
-<file path=ppt/slides/slide3.xml><?xml version="1.0" encoding="utf-8"?>
+<file path=ppt/slides/slide11.xml><?xml version="1.0" encoding="utf-8"?>
 <p:sld xmlns:a="http://schemas.openxmlformats.org/drawingml/2006/main" xmlns:r="http://schemas.openxmlformats.org/officeDocument/2006/relationships" xmlns:p="http://schemas.openxmlformats.org/presentationml/2006/main">
   <p:cSld>
     <p:spTree>
@@ -4155,12 +3980,12 @@
           <a:p>
             <a:pPr algn="l"/>
             <a:r>
-              <a:rPr lang="en-US" altLang="zh-TW" b="1" dirty="0">
+              <a:rPr lang="en-US" altLang="zh-TW" sz="4400" b="1" dirty="0">
                 <a:solidFill>
                   <a:srgbClr val="FFFF00"/>
                 </a:solidFill>
               </a:rPr>
-              <a:t>8 JSX</a:t>
+              <a:t>8.3 HTML vs. JSX</a:t>
             </a:r>
             <a:endParaRPr lang="zh-TW" altLang="en-US" b="1" dirty="0">
               <a:solidFill>
@@ -4182,8 +4007,8 @@
         </p:nvSpPr>
         <p:spPr>
           <a:xfrm>
-            <a:off x="467544" y="1340766"/>
-            <a:ext cx="8219256" cy="864098"/>
+            <a:off x="467544" y="1340765"/>
+            <a:ext cx="8219256" cy="648075"/>
           </a:xfrm>
           <a:ln>
             <a:solidFill>
@@ -4206,13 +4031,13 @@
               <a:buChar char="u"/>
             </a:pPr>
             <a:r>
-              <a:rPr lang="en-US" altLang="zh-TW" sz="1600" b="1" dirty="0">
+              <a:rPr lang="en-US" altLang="zh-TW" sz="1800" b="1" dirty="0">
                 <a:solidFill>
                   <a:schemeClr val="tx1"/>
                 </a:solidFill>
                 <a:latin typeface="+mj-lt"/>
               </a:rPr>
-              <a:t>JSX:</a:t>
+              <a:t>HTML vs JSX:</a:t>
             </a:r>
           </a:p>
           <a:p>
@@ -4225,32 +4050,13 @@
               <a:buChar char="u"/>
             </a:pPr>
             <a:r>
-              <a:rPr lang="en-US" altLang="zh-TW" sz="1600" b="1" dirty="0">
+              <a:rPr lang="en-US" altLang="zh-TW" sz="1800" b="1" dirty="0">
                 <a:solidFill>
                   <a:schemeClr val="tx1"/>
                 </a:solidFill>
                 <a:latin typeface="+mj-lt"/>
               </a:rPr>
-              <a:t>We will create another file component/Hello.js.</a:t>
-            </a:r>
-          </a:p>
-          <a:p>
-            <a:pPr marL="342900" indent="-342900" algn="l">
-              <a:buClr>
-                <a:srgbClr val="0070C0"/>
-              </a:buClr>
-              <a:buSzPct val="80000"/>
-              <a:buFont typeface="Wingdings" pitchFamily="2" charset="2"/>
-              <a:buChar char="u"/>
-            </a:pPr>
-            <a:r>
-              <a:rPr lang="en-US" altLang="zh-TW" sz="1600" b="1" dirty="0">
-                <a:solidFill>
-                  <a:schemeClr val="tx1"/>
-                </a:solidFill>
-                <a:latin typeface="+mj-lt"/>
-              </a:rPr>
-              <a:t>Hello.js is a simple functional component that render “Hello Peter” in the browser.</a:t>
+              <a:t>We compare the difference of HTML and JSX.</a:t>
             </a:r>
           </a:p>
         </p:txBody>
@@ -4337,7 +4143,7 @@
             <a:fld id="{A4F910E6-8D00-4BAF-8C48-9688E0B449D3}" type="datetime1">
               <a:rPr lang="zh-TW" altLang="en-US" smtClean="0"/>
               <a:pPr/>
-              <a:t>2020/3/31</a:t>
+              <a:t>2020/6/28</a:t>
             </a:fld>
             <a:endParaRPr lang="zh-TW" altLang="en-US"/>
           </a:p>
@@ -4366,53 +4172,18 @@
             <a:fld id="{E4D7E63D-91F2-4366-A2C4-1B00C9E2590E}" type="slidenum">
               <a:rPr lang="zh-TW" altLang="en-US" smtClean="0"/>
               <a:pPr/>
-              <a:t>3</a:t>
+              <a:t>11</a:t>
             </a:fld>
             <a:endParaRPr lang="zh-TW" altLang="en-US"/>
           </a:p>
         </p:txBody>
       </p:sp>
-      <p:pic>
-        <p:nvPicPr>
-          <p:cNvPr id="7" name="Picture 6">
+      <p:sp>
+        <p:nvSpPr>
+          <p:cNvPr id="11" name="Rectangle 10">
             <a:extLst>
               <a:ext uri="{FF2B5EF4-FFF2-40B4-BE49-F238E27FC236}">
-                <a16:creationId xmlns:a16="http://schemas.microsoft.com/office/drawing/2014/main" id="{B3C988C4-8981-47AE-A704-A21BBFDB2EDB}"/>
-              </a:ext>
-            </a:extLst>
-          </p:cNvPr>
-          <p:cNvPicPr>
-            <a:picLocks noChangeAspect="1"/>
-          </p:cNvPicPr>
-          <p:nvPr/>
-        </p:nvPicPr>
-        <p:blipFill>
-          <a:blip r:embed="rId3"/>
-          <a:stretch>
-            <a:fillRect/>
-          </a:stretch>
-        </p:blipFill>
-        <p:spPr>
-          <a:xfrm>
-            <a:off x="1835696" y="2306660"/>
-            <a:ext cx="3790950" cy="4257675"/>
-          </a:xfrm>
-          <a:prstGeom prst="rect">
-            <a:avLst/>
-          </a:prstGeom>
-          <a:ln>
-            <a:solidFill>
-              <a:srgbClr val="C00000"/>
-            </a:solidFill>
-          </a:ln>
-        </p:spPr>
-      </p:pic>
-      <p:sp>
-        <p:nvSpPr>
-          <p:cNvPr id="8" name="Rectangle 7">
-            <a:extLst>
-              <a:ext uri="{FF2B5EF4-FFF2-40B4-BE49-F238E27FC236}">
-                <a16:creationId xmlns:a16="http://schemas.microsoft.com/office/drawing/2014/main" id="{1A78D928-C4BD-4EA5-AF42-8684320EC00C}"/>
+                <a16:creationId xmlns:a16="http://schemas.microsoft.com/office/drawing/2014/main" id="{683136A9-9684-45DD-A469-588E8C9A86DC}"/>
               </a:ext>
             </a:extLst>
           </p:cNvPr>
@@ -4421,18 +4192,12 @@
         </p:nvSpPr>
         <p:spPr>
           <a:xfrm>
-            <a:off x="2915816" y="5172299"/>
-            <a:ext cx="1080120" cy="288034"/>
+            <a:off x="491306" y="2558244"/>
+            <a:ext cx="3912652" cy="1813973"/>
           </a:xfrm>
           <a:prstGeom prst="rect">
             <a:avLst/>
           </a:prstGeom>
-          <a:noFill/>
-          <a:ln>
-            <a:solidFill>
-              <a:srgbClr val="C00000"/>
-            </a:solidFill>
-          </a:ln>
         </p:spPr>
         <p:style>
           <a:lnRef idx="2">
@@ -4454,15 +4219,306 @@
           <a:bodyPr rtlCol="0" anchor="ctr"/>
           <a:lstStyle/>
           <a:p>
-            <a:pPr algn="ctr"/>
-            <a:endParaRPr lang="en-US"/>
+            <a:r>
+              <a:rPr lang="en-US" dirty="0">
+                <a:solidFill>
+                  <a:schemeClr val="tx1"/>
+                </a:solidFill>
+              </a:rPr>
+              <a:t>Class</a:t>
+            </a:r>
+          </a:p>
+          <a:p>
+            <a:r>
+              <a:rPr lang="en-US" dirty="0">
+                <a:solidFill>
+                  <a:schemeClr val="tx1"/>
+                </a:solidFill>
+              </a:rPr>
+              <a:t>for</a:t>
+            </a:r>
+          </a:p>
+          <a:p>
+            <a:r>
+              <a:rPr lang="en-US" dirty="0">
+                <a:solidFill>
+                  <a:schemeClr val="tx1"/>
+                </a:solidFill>
+              </a:rPr>
+              <a:t>Lowercase only for property naming convention</a:t>
+            </a:r>
+          </a:p>
+          <a:p>
+            <a:pPr marL="800100" lvl="1" indent="-342900">
+              <a:buFont typeface="+mj-lt"/>
+              <a:buAutoNum type="arabicPeriod"/>
+            </a:pPr>
+            <a:r>
+              <a:rPr lang="en-US" dirty="0">
+                <a:solidFill>
+                  <a:schemeClr val="tx1"/>
+                </a:solidFill>
+              </a:rPr>
+              <a:t>onclick</a:t>
+            </a:r>
+          </a:p>
+          <a:p>
+            <a:pPr marL="800100" lvl="1" indent="-342900">
+              <a:buFont typeface="+mj-lt"/>
+              <a:buAutoNum type="arabicPeriod"/>
+            </a:pPr>
+            <a:r>
+              <a:rPr lang="en-US" dirty="0" err="1">
+                <a:solidFill>
+                  <a:schemeClr val="tx1"/>
+                </a:solidFill>
+              </a:rPr>
+              <a:t>tabindex</a:t>
+            </a:r>
+            <a:endParaRPr lang="en-US" dirty="0">
+              <a:solidFill>
+                <a:schemeClr val="tx1"/>
+              </a:solidFill>
+            </a:endParaRPr>
+          </a:p>
+        </p:txBody>
+      </p:sp>
+      <p:sp>
+        <p:nvSpPr>
+          <p:cNvPr id="12" name="Rectangle 11">
+            <a:extLst>
+              <a:ext uri="{FF2B5EF4-FFF2-40B4-BE49-F238E27FC236}">
+                <a16:creationId xmlns:a16="http://schemas.microsoft.com/office/drawing/2014/main" id="{3CFB2375-681A-4EEE-AEA6-AB6CDE7FFF43}"/>
+              </a:ext>
+            </a:extLst>
+          </p:cNvPr>
+          <p:cNvSpPr/>
+          <p:nvPr/>
+        </p:nvSpPr>
+        <p:spPr>
+          <a:xfrm>
+            <a:off x="491306" y="2159173"/>
+            <a:ext cx="1152128" cy="326611"/>
+          </a:xfrm>
+          <a:prstGeom prst="rect">
+            <a:avLst/>
+          </a:prstGeom>
+          <a:noFill/>
+          <a:ln>
+            <a:noFill/>
+          </a:ln>
+        </p:spPr>
+        <p:style>
+          <a:lnRef idx="2">
+            <a:schemeClr val="accent1">
+              <a:shade val="50000"/>
+            </a:schemeClr>
+          </a:lnRef>
+          <a:fillRef idx="1">
+            <a:schemeClr val="accent1"/>
+          </a:fillRef>
+          <a:effectRef idx="0">
+            <a:schemeClr val="accent1"/>
+          </a:effectRef>
+          <a:fontRef idx="minor">
+            <a:schemeClr val="lt1"/>
+          </a:fontRef>
+        </p:style>
+        <p:txBody>
+          <a:bodyPr rtlCol="0" anchor="ctr"/>
+          <a:lstStyle/>
+          <a:p>
+            <a:r>
+              <a:rPr lang="en-US" dirty="0">
+                <a:solidFill>
+                  <a:schemeClr val="tx1"/>
+                </a:solidFill>
+              </a:rPr>
+              <a:t>HTML</a:t>
+            </a:r>
+          </a:p>
+        </p:txBody>
+      </p:sp>
+      <p:sp>
+        <p:nvSpPr>
+          <p:cNvPr id="13" name="Rectangle 12">
+            <a:extLst>
+              <a:ext uri="{FF2B5EF4-FFF2-40B4-BE49-F238E27FC236}">
+                <a16:creationId xmlns:a16="http://schemas.microsoft.com/office/drawing/2014/main" id="{C640BE57-73E0-4676-B6F5-E892A1DC8080}"/>
+              </a:ext>
+            </a:extLst>
+          </p:cNvPr>
+          <p:cNvSpPr/>
+          <p:nvPr/>
+        </p:nvSpPr>
+        <p:spPr>
+          <a:xfrm>
+            <a:off x="4794584" y="2581758"/>
+            <a:ext cx="4104458" cy="1555801"/>
+          </a:xfrm>
+          <a:prstGeom prst="rect">
+            <a:avLst/>
+          </a:prstGeom>
+        </p:spPr>
+        <p:style>
+          <a:lnRef idx="2">
+            <a:schemeClr val="accent1">
+              <a:shade val="50000"/>
+            </a:schemeClr>
+          </a:lnRef>
+          <a:fillRef idx="1">
+            <a:schemeClr val="accent1"/>
+          </a:fillRef>
+          <a:effectRef idx="0">
+            <a:schemeClr val="accent1"/>
+          </a:effectRef>
+          <a:fontRef idx="minor">
+            <a:schemeClr val="lt1"/>
+          </a:fontRef>
+        </p:style>
+        <p:txBody>
+          <a:bodyPr rtlCol="0" anchor="ctr"/>
+          <a:lstStyle/>
+          <a:p>
+            <a:r>
+              <a:rPr lang="en-US" dirty="0" err="1">
+                <a:solidFill>
+                  <a:schemeClr val="tx1"/>
+                </a:solidFill>
+              </a:rPr>
+              <a:t>className</a:t>
+            </a:r>
+            <a:endParaRPr lang="en-US" dirty="0">
+              <a:solidFill>
+                <a:schemeClr val="tx1"/>
+              </a:solidFill>
+            </a:endParaRPr>
+          </a:p>
+          <a:p>
+            <a:r>
+              <a:rPr lang="en-US" dirty="0" err="1">
+                <a:solidFill>
+                  <a:schemeClr val="tx1"/>
+                </a:solidFill>
+              </a:rPr>
+              <a:t>htmlFor</a:t>
+            </a:r>
+            <a:endParaRPr lang="en-US" dirty="0">
+              <a:solidFill>
+                <a:schemeClr val="tx1"/>
+              </a:solidFill>
+            </a:endParaRPr>
+          </a:p>
+          <a:p>
+            <a:r>
+              <a:rPr lang="en-US" dirty="0">
+                <a:solidFill>
+                  <a:schemeClr val="tx1"/>
+                </a:solidFill>
+              </a:rPr>
+              <a:t>camelCase property naming convention</a:t>
+            </a:r>
+          </a:p>
+          <a:p>
+            <a:pPr marL="800100" lvl="1" indent="-342900">
+              <a:buFont typeface="+mj-lt"/>
+              <a:buAutoNum type="arabicPeriod"/>
+            </a:pPr>
+            <a:r>
+              <a:rPr lang="en-US" dirty="0" err="1">
+                <a:solidFill>
+                  <a:schemeClr val="tx1"/>
+                </a:solidFill>
+              </a:rPr>
+              <a:t>onClick</a:t>
+            </a:r>
+            <a:endParaRPr lang="en-US" dirty="0">
+              <a:solidFill>
+                <a:schemeClr val="tx1"/>
+              </a:solidFill>
+            </a:endParaRPr>
+          </a:p>
+          <a:p>
+            <a:pPr marL="800100" lvl="1" indent="-342900">
+              <a:buFont typeface="+mj-lt"/>
+              <a:buAutoNum type="arabicPeriod"/>
+            </a:pPr>
+            <a:r>
+              <a:rPr lang="en-US" dirty="0" err="1">
+                <a:solidFill>
+                  <a:schemeClr val="tx1"/>
+                </a:solidFill>
+              </a:rPr>
+              <a:t>tabIndex</a:t>
+            </a:r>
+            <a:endParaRPr lang="en-US" dirty="0">
+              <a:solidFill>
+                <a:schemeClr val="tx1"/>
+              </a:solidFill>
+            </a:endParaRPr>
+          </a:p>
+        </p:txBody>
+      </p:sp>
+      <p:sp>
+        <p:nvSpPr>
+          <p:cNvPr id="14" name="Rectangle 13">
+            <a:extLst>
+              <a:ext uri="{FF2B5EF4-FFF2-40B4-BE49-F238E27FC236}">
+                <a16:creationId xmlns:a16="http://schemas.microsoft.com/office/drawing/2014/main" id="{AAE4EBD7-FE8C-4556-B808-D35D71811838}"/>
+              </a:ext>
+            </a:extLst>
+          </p:cNvPr>
+          <p:cNvSpPr/>
+          <p:nvPr/>
+        </p:nvSpPr>
+        <p:spPr>
+          <a:xfrm>
+            <a:off x="4767333" y="2181543"/>
+            <a:ext cx="1152128" cy="326611"/>
+          </a:xfrm>
+          <a:prstGeom prst="rect">
+            <a:avLst/>
+          </a:prstGeom>
+          <a:noFill/>
+          <a:ln>
+            <a:noFill/>
+          </a:ln>
+        </p:spPr>
+        <p:style>
+          <a:lnRef idx="2">
+            <a:schemeClr val="accent1">
+              <a:shade val="50000"/>
+            </a:schemeClr>
+          </a:lnRef>
+          <a:fillRef idx="1">
+            <a:schemeClr val="accent1"/>
+          </a:fillRef>
+          <a:effectRef idx="0">
+            <a:schemeClr val="accent1"/>
+          </a:effectRef>
+          <a:fontRef idx="minor">
+            <a:schemeClr val="lt1"/>
+          </a:fontRef>
+        </p:style>
+        <p:txBody>
+          <a:bodyPr rtlCol="0" anchor="ctr"/>
+          <a:lstStyle/>
+          <a:p>
+            <a:r>
+              <a:rPr lang="en-US" dirty="0">
+                <a:solidFill>
+                  <a:schemeClr val="tx1"/>
+                </a:solidFill>
+              </a:rPr>
+              <a:t>JSX</a:t>
+            </a:r>
           </a:p>
         </p:txBody>
       </p:sp>
     </p:spTree>
     <p:extLst>
       <p:ext uri="{BB962C8B-B14F-4D97-AF65-F5344CB8AC3E}">
-        <p14:creationId xmlns:p14="http://schemas.microsoft.com/office/powerpoint/2010/main" val="2629076343"/>
+        <p14:creationId xmlns:p14="http://schemas.microsoft.com/office/powerpoint/2010/main" val="3317021097"/>
       </p:ext>
     </p:extLst>
   </p:cSld>
@@ -4472,7 +4528,7 @@
 </p:sld>
 </file>
 
-<file path=ppt/slides/slide4.xml><?xml version="1.0" encoding="utf-8"?>
+<file path=ppt/slides/slide12.xml><?xml version="1.0" encoding="utf-8"?>
 <p:sld xmlns:a="http://schemas.openxmlformats.org/drawingml/2006/main" xmlns:r="http://schemas.openxmlformats.org/officeDocument/2006/relationships" xmlns:p="http://schemas.openxmlformats.org/presentationml/2006/main">
   <p:cSld>
     <p:spTree>
@@ -4539,12 +4595,12 @@
           <a:p>
             <a:pPr algn="l"/>
             <a:r>
-              <a:rPr lang="en-US" altLang="zh-TW" b="1" dirty="0">
+              <a:rPr lang="en-US" altLang="zh-TW" sz="4400" b="1" dirty="0">
                 <a:solidFill>
                   <a:srgbClr val="FFFF00"/>
                 </a:solidFill>
               </a:rPr>
-              <a:t>8 JSX</a:t>
+              <a:t>8.3 HTML vs. JSX</a:t>
             </a:r>
             <a:endParaRPr lang="zh-TW" altLang="en-US" b="1" dirty="0">
               <a:solidFill>
@@ -4567,7 +4623,7 @@
         <p:spPr>
           <a:xfrm>
             <a:off x="467544" y="1340765"/>
-            <a:ext cx="8219256" cy="1872211"/>
+            <a:ext cx="8219256" cy="1800203"/>
           </a:xfrm>
           <a:ln>
             <a:solidFill>
@@ -4590,13 +4646,13 @@
               <a:buChar char="u"/>
             </a:pPr>
             <a:r>
-              <a:rPr lang="en-US" altLang="zh-TW" sz="1600" b="1" dirty="0">
+              <a:rPr lang="en-US" altLang="zh-TW" sz="1800" b="1" dirty="0">
                 <a:solidFill>
                   <a:schemeClr val="tx1"/>
                 </a:solidFill>
                 <a:latin typeface="+mj-lt"/>
               </a:rPr>
-              <a:t>JSX:</a:t>
+              <a:t>React Fire: Modernizing React DOM</a:t>
             </a:r>
           </a:p>
           <a:p>
@@ -4609,32 +4665,12 @@
               <a:buChar char="u"/>
             </a:pPr>
             <a:r>
-              <a:rPr lang="en-US" altLang="zh-TW" sz="1600" b="1" dirty="0">
-                <a:solidFill>
-                  <a:schemeClr val="tx1"/>
-                </a:solidFill>
-                <a:latin typeface="+mj-lt"/>
-              </a:rPr>
-              <a:t>React Library can create element </a:t>
-            </a:r>
-            <a:r>
-              <a:rPr lang="en-US" altLang="zh-TW" sz="1600" b="1" dirty="0" err="1">
-                <a:solidFill>
-                  <a:schemeClr val="tx1"/>
-                </a:solidFill>
-                <a:latin typeface="+mj-lt"/>
-              </a:rPr>
-              <a:t>React.createElement</a:t>
-            </a:r>
-            <a:r>
-              <a:rPr lang="en-US" altLang="zh-TW" sz="1600" b="1" dirty="0">
-                <a:solidFill>
-                  <a:schemeClr val="tx1"/>
-                </a:solidFill>
-                <a:latin typeface="+mj-lt"/>
-              </a:rPr>
-              <a:t> (HTML element, optional property, children of HTML element)</a:t>
-            </a:r>
+              <a:rPr lang="en-US" sz="1800" dirty="0">
+                <a:hlinkClick r:id="rId2"/>
+              </a:rPr>
+              <a:t>https://github.com/facebook/react/issues/13525</a:t>
+            </a:r>
+            <a:endParaRPr lang="en-US" sz="1800" dirty="0"/>
           </a:p>
           <a:p>
             <a:pPr marL="342900" indent="-342900" algn="l">
@@ -4646,31 +4682,13 @@
               <a:buChar char="u"/>
             </a:pPr>
             <a:r>
-              <a:rPr lang="en-US" altLang="zh-TW" sz="1600" b="1" dirty="0">
+              <a:rPr lang="en-US" altLang="zh-TW" sz="1800" b="1" dirty="0">
                 <a:solidFill>
                   <a:schemeClr val="tx1"/>
                 </a:solidFill>
                 <a:latin typeface="+mj-lt"/>
               </a:rPr>
-              <a:t>&gt; return </a:t>
-            </a:r>
-            <a:r>
-              <a:rPr lang="en-US" altLang="zh-TW" sz="1600" b="1" dirty="0" err="1">
-                <a:solidFill>
-                  <a:schemeClr val="tx1"/>
-                </a:solidFill>
-                <a:latin typeface="+mj-lt"/>
-              </a:rPr>
-              <a:t>React.createElement</a:t>
-            </a:r>
-            <a:r>
-              <a:rPr lang="en-US" altLang="zh-TW" sz="1600" b="1" dirty="0">
-                <a:solidFill>
-                  <a:schemeClr val="tx1"/>
-                </a:solidFill>
-                <a:latin typeface="+mj-lt"/>
-              </a:rPr>
-              <a:t> (‘div’, null, ‘Hello Peter’);</a:t>
+              <a:t>React changing code discussion panel.</a:t>
             </a:r>
           </a:p>
           <a:p>
@@ -4683,31 +4701,31 @@
               <a:buChar char="u"/>
             </a:pPr>
             <a:r>
-              <a:rPr lang="en-US" altLang="zh-TW" sz="1600" b="1" dirty="0">
+              <a:rPr lang="en-US" altLang="zh-TW" sz="1800" b="1" dirty="0">
                 <a:solidFill>
                   <a:schemeClr val="tx1"/>
                 </a:solidFill>
                 <a:latin typeface="+mj-lt"/>
               </a:rPr>
-              <a:t>The third argument have to use </a:t>
-            </a:r>
-            <a:r>
-              <a:rPr lang="en-US" altLang="zh-TW" sz="1600" b="1" dirty="0" err="1">
+              <a:t>Change the </a:t>
+            </a:r>
+            <a:r>
+              <a:rPr lang="en-US" altLang="zh-TW" sz="1800" b="1" dirty="0" err="1">
                 <a:solidFill>
                   <a:schemeClr val="tx1"/>
                 </a:solidFill>
                 <a:latin typeface="+mj-lt"/>
               </a:rPr>
-              <a:t>createElement</a:t>
-            </a:r>
-            <a:r>
-              <a:rPr lang="en-US" altLang="zh-TW" sz="1600" b="1" dirty="0">
+              <a:t>className</a:t>
+            </a:r>
+            <a:r>
+              <a:rPr lang="en-US" altLang="zh-TW" sz="1800" b="1" dirty="0">
                 <a:solidFill>
                   <a:schemeClr val="tx1"/>
                 </a:solidFill>
                 <a:latin typeface="+mj-lt"/>
               </a:rPr>
-              <a:t>() to create element with ‘h1’ and text. 4</a:t>
+              <a:t> into Class and etc. </a:t>
             </a:r>
           </a:p>
           <a:p>
@@ -4720,31 +4738,13 @@
               <a:buChar char="u"/>
             </a:pPr>
             <a:r>
-              <a:rPr lang="en-US" altLang="zh-TW" sz="1600" b="1" dirty="0">
+              <a:rPr lang="en-US" altLang="zh-TW" sz="1800" b="1" dirty="0">
                 <a:solidFill>
                   <a:schemeClr val="tx1"/>
                 </a:solidFill>
                 <a:latin typeface="+mj-lt"/>
               </a:rPr>
-              <a:t>The second argument can be used for ID assignment and </a:t>
-            </a:r>
-            <a:r>
-              <a:rPr lang="en-US" altLang="zh-TW" sz="1600" b="1" dirty="0" err="1">
-                <a:solidFill>
-                  <a:schemeClr val="tx1"/>
-                </a:solidFill>
-                <a:latin typeface="+mj-lt"/>
-              </a:rPr>
-              <a:t>className</a:t>
-            </a:r>
-            <a:r>
-              <a:rPr lang="en-US" altLang="zh-TW" sz="1600" b="1" dirty="0">
-                <a:solidFill>
-                  <a:schemeClr val="tx1"/>
-                </a:solidFill>
-                <a:latin typeface="+mj-lt"/>
-              </a:rPr>
-              <a:t> assignment.</a:t>
+              <a:t>This link will help you to stay update with the changes.</a:t>
             </a:r>
           </a:p>
         </p:txBody>
@@ -4800,7 +4800,7 @@
           <a:p>
             <a:r>
               <a:rPr lang="en-US" sz="1600" dirty="0">
-                <a:hlinkClick r:id="rId2"/>
+                <a:hlinkClick r:id="rId3"/>
               </a:rPr>
               <a:t>https://www.youtube.com/watch?v=7fPXI_MnBOY&amp;list=PLC3y8-rFHvwgg3vaYJgHGnModB54rxOk3&amp;index=8</a:t>
             </a:r>
@@ -4831,7 +4831,7 @@
             <a:fld id="{A4F910E6-8D00-4BAF-8C48-9688E0B449D3}" type="datetime1">
               <a:rPr lang="zh-TW" altLang="en-US" smtClean="0"/>
               <a:pPr/>
-              <a:t>2020/3/31</a:t>
+              <a:t>2020/6/28</a:t>
             </a:fld>
             <a:endParaRPr lang="zh-TW" altLang="en-US"/>
           </a:p>
@@ -4860,86 +4860,16 @@
             <a:fld id="{E4D7E63D-91F2-4366-A2C4-1B00C9E2590E}" type="slidenum">
               <a:rPr lang="zh-TW" altLang="en-US" smtClean="0"/>
               <a:pPr/>
-              <a:t>4</a:t>
+              <a:t>12</a:t>
             </a:fld>
             <a:endParaRPr lang="zh-TW" altLang="en-US"/>
           </a:p>
         </p:txBody>
       </p:sp>
-      <p:pic>
-        <p:nvPicPr>
-          <p:cNvPr id="9" name="Picture 8">
-            <a:extLst>
-              <a:ext uri="{FF2B5EF4-FFF2-40B4-BE49-F238E27FC236}">
-                <a16:creationId xmlns:a16="http://schemas.microsoft.com/office/drawing/2014/main" id="{80B5BA05-D703-442B-B08D-346E1E908F40}"/>
-              </a:ext>
-            </a:extLst>
-          </p:cNvPr>
-          <p:cNvPicPr>
-            <a:picLocks noChangeAspect="1"/>
-          </p:cNvPicPr>
-          <p:nvPr/>
-        </p:nvPicPr>
-        <p:blipFill>
-          <a:blip r:embed="rId3"/>
-          <a:stretch>
-            <a:fillRect/>
-          </a:stretch>
-        </p:blipFill>
-        <p:spPr>
-          <a:xfrm>
-            <a:off x="467544" y="3346189"/>
-            <a:ext cx="3881754" cy="2774709"/>
-          </a:xfrm>
-          <a:prstGeom prst="rect">
-            <a:avLst/>
-          </a:prstGeom>
-          <a:ln>
-            <a:solidFill>
-              <a:srgbClr val="C00000"/>
-            </a:solidFill>
-          </a:ln>
-        </p:spPr>
-      </p:pic>
-      <p:pic>
-        <p:nvPicPr>
-          <p:cNvPr id="10" name="Picture 9">
-            <a:extLst>
-              <a:ext uri="{FF2B5EF4-FFF2-40B4-BE49-F238E27FC236}">
-                <a16:creationId xmlns:a16="http://schemas.microsoft.com/office/drawing/2014/main" id="{5052B0F7-0877-461B-9AC0-1E13B0D9511D}"/>
-              </a:ext>
-            </a:extLst>
-          </p:cNvPr>
-          <p:cNvPicPr>
-            <a:picLocks noChangeAspect="1"/>
-          </p:cNvPicPr>
-          <p:nvPr/>
-        </p:nvPicPr>
-        <p:blipFill>
-          <a:blip r:embed="rId4"/>
-          <a:stretch>
-            <a:fillRect/>
-          </a:stretch>
-        </p:blipFill>
-        <p:spPr>
-          <a:xfrm>
-            <a:off x="4572000" y="3346189"/>
-            <a:ext cx="3993188" cy="2248871"/>
-          </a:xfrm>
-          <a:prstGeom prst="rect">
-            <a:avLst/>
-          </a:prstGeom>
-          <a:ln>
-            <a:solidFill>
-              <a:srgbClr val="C00000"/>
-            </a:solidFill>
-          </a:ln>
-        </p:spPr>
-      </p:pic>
     </p:spTree>
     <p:extLst>
       <p:ext uri="{BB962C8B-B14F-4D97-AF65-F5344CB8AC3E}">
-        <p14:creationId xmlns:p14="http://schemas.microsoft.com/office/powerpoint/2010/main" val="1638949556"/>
+        <p14:creationId xmlns:p14="http://schemas.microsoft.com/office/powerpoint/2010/main" val="2093760118"/>
       </p:ext>
     </p:extLst>
   </p:cSld>
@@ -4949,7 +4879,158 @@
 </p:sld>
 </file>
 
-<file path=ppt/slides/slide5.xml><?xml version="1.0" encoding="utf-8"?>
+<file path=ppt/slides/slide13.xml><?xml version="1.0" encoding="utf-8"?>
+<p:sld xmlns:a="http://schemas.openxmlformats.org/drawingml/2006/main" xmlns:r="http://schemas.openxmlformats.org/officeDocument/2006/relationships" xmlns:p="http://schemas.openxmlformats.org/presentationml/2006/main">
+  <p:cSld>
+    <p:spTree>
+      <p:nvGrpSpPr>
+        <p:cNvPr id="1" name=""/>
+        <p:cNvGrpSpPr/>
+        <p:nvPr/>
+      </p:nvGrpSpPr>
+      <p:grpSpPr>
+        <a:xfrm>
+          <a:off x="0" y="0"/>
+          <a:ext cx="0" cy="0"/>
+          <a:chOff x="0" y="0"/>
+          <a:chExt cx="0" cy="0"/>
+        </a:xfrm>
+      </p:grpSpPr>
+      <p:sp>
+        <p:nvSpPr>
+          <p:cNvPr id="2" name="標題 1"/>
+          <p:cNvSpPr>
+            <a:spLocks noGrp="1"/>
+          </p:cNvSpPr>
+          <p:nvPr>
+            <p:ph type="ctrTitle"/>
+          </p:nvPr>
+        </p:nvSpPr>
+        <p:spPr>
+          <a:xfrm>
+            <a:off x="0" y="2130425"/>
+            <a:ext cx="9144000" cy="1470025"/>
+          </a:xfrm>
+          <a:solidFill>
+            <a:srgbClr val="00B0F0"/>
+          </a:solidFill>
+        </p:spPr>
+        <p:txBody>
+          <a:bodyPr>
+            <a:normAutofit/>
+          </a:bodyPr>
+          <a:lstStyle/>
+          <a:p>
+            <a:r>
+              <a:rPr lang="en-US" altLang="zh-TW" sz="4800" b="1" dirty="0">
+                <a:solidFill>
+                  <a:srgbClr val="FFFF00"/>
+                </a:solidFill>
+              </a:rPr>
+              <a:t>8.1 Quiz</a:t>
+            </a:r>
+            <a:endParaRPr lang="zh-TW" altLang="en-US" sz="4800" b="1" dirty="0">
+              <a:solidFill>
+                <a:srgbClr val="FFFF00"/>
+              </a:solidFill>
+            </a:endParaRPr>
+          </a:p>
+        </p:txBody>
+      </p:sp>
+      <p:sp>
+        <p:nvSpPr>
+          <p:cNvPr id="5" name="日期版面配置區 4"/>
+          <p:cNvSpPr>
+            <a:spLocks noGrp="1"/>
+          </p:cNvSpPr>
+          <p:nvPr>
+            <p:ph type="dt" sz="half" idx="10"/>
+          </p:nvPr>
+        </p:nvSpPr>
+        <p:spPr/>
+        <p:txBody>
+          <a:bodyPr/>
+          <a:lstStyle/>
+          <a:p>
+            <a:fld id="{C389EDC9-19E3-47AC-9C57-C6A24DEA81AD}" type="datetime1">
+              <a:rPr lang="zh-TW" altLang="en-US" smtClean="0"/>
+              <a:pPr/>
+              <a:t>2020/6/28</a:t>
+            </a:fld>
+            <a:endParaRPr lang="zh-TW" altLang="en-US"/>
+          </a:p>
+        </p:txBody>
+      </p:sp>
+      <p:sp>
+        <p:nvSpPr>
+          <p:cNvPr id="6" name="投影片編號版面配置區 5"/>
+          <p:cNvSpPr>
+            <a:spLocks noGrp="1"/>
+          </p:cNvSpPr>
+          <p:nvPr>
+            <p:ph type="sldNum" sz="quarter" idx="12"/>
+          </p:nvPr>
+        </p:nvSpPr>
+        <p:spPr/>
+        <p:txBody>
+          <a:bodyPr/>
+          <a:lstStyle/>
+          <a:p>
+            <a:fld id="{E4D7E63D-91F2-4366-A2C4-1B00C9E2590E}" type="slidenum">
+              <a:rPr lang="zh-TW" altLang="en-US" smtClean="0"/>
+              <a:pPr/>
+              <a:t>13</a:t>
+            </a:fld>
+            <a:endParaRPr lang="zh-TW" altLang="en-US"/>
+          </a:p>
+        </p:txBody>
+      </p:sp>
+      <p:pic>
+        <p:nvPicPr>
+          <p:cNvPr id="2050" name="Picture 2"/>
+          <p:cNvPicPr>
+            <a:picLocks noChangeAspect="1" noChangeArrowheads="1"/>
+          </p:cNvPicPr>
+          <p:nvPr/>
+        </p:nvPicPr>
+        <p:blipFill>
+          <a:blip r:embed="rId2" cstate="print"/>
+          <a:srcRect/>
+          <a:stretch>
+            <a:fillRect/>
+          </a:stretch>
+        </p:blipFill>
+        <p:spPr bwMode="auto">
+          <a:xfrm>
+            <a:off x="4283968" y="3717032"/>
+            <a:ext cx="713805" cy="644588"/>
+          </a:xfrm>
+          <a:prstGeom prst="rect">
+            <a:avLst/>
+          </a:prstGeom>
+          <a:noFill/>
+          <a:ln w="9525">
+            <a:noFill/>
+            <a:miter lim="800000"/>
+            <a:headEnd/>
+            <a:tailEnd/>
+          </a:ln>
+        </p:spPr>
+      </p:pic>
+    </p:spTree>
+    <p:extLst>
+      <p:ext uri="{BB962C8B-B14F-4D97-AF65-F5344CB8AC3E}">
+        <p14:creationId xmlns:p14="http://schemas.microsoft.com/office/powerpoint/2010/main" val="3834421518"/>
+      </p:ext>
+    </p:extLst>
+  </p:cSld>
+  <p:clrMapOvr>
+    <a:masterClrMapping/>
+  </p:clrMapOvr>
+</p:sld>
+</file>
+
+<file path=ppt/slides/slide14.xml><?xml version="1.0" encoding="utf-8"?>
 <p:sld xmlns:a="http://schemas.openxmlformats.org/drawingml/2006/main" xmlns:r="http://schemas.openxmlformats.org/officeDocument/2006/relationships" xmlns:p="http://schemas.openxmlformats.org/presentationml/2006/main">
   <p:cSld>
     <p:spTree>
@@ -5021,7 +5102,15 @@
                   <a:srgbClr val="FFFF00"/>
                 </a:solidFill>
               </a:rPr>
-              <a:t>8 JSX</a:t>
+              <a:t>8.4 JSX </a:t>
+            </a:r>
+            <a:r>
+              <a:rPr lang="en-US" altLang="zh-TW" b="1" dirty="0" err="1">
+                <a:solidFill>
+                  <a:srgbClr val="FFFF00"/>
+                </a:solidFill>
+              </a:rPr>
+              <a:t>Sumamry</a:t>
             </a:r>
             <a:endParaRPr lang="zh-TW" altLang="en-US" b="1" dirty="0">
               <a:solidFill>
@@ -5043,8 +5132,8 @@
         </p:nvSpPr>
         <p:spPr>
           <a:xfrm>
-            <a:off x="467544" y="1340765"/>
-            <a:ext cx="8219256" cy="1440163"/>
+            <a:off x="429183" y="1340766"/>
+            <a:ext cx="8219256" cy="3312370"/>
           </a:xfrm>
           <a:ln>
             <a:solidFill>
@@ -5067,13 +5156,146 @@
               <a:buChar char="u"/>
             </a:pPr>
             <a:r>
-              <a:rPr lang="en-US" altLang="zh-TW" sz="1600" b="1" dirty="0">
+              <a:rPr lang="en-US" altLang="zh-TW" sz="1800" b="1" dirty="0">
                 <a:solidFill>
                   <a:schemeClr val="tx1"/>
                 </a:solidFill>
                 <a:latin typeface="+mj-lt"/>
               </a:rPr>
-              <a:t>JSX:</a:t>
+              <a:t>JSX Summary</a:t>
+            </a:r>
+          </a:p>
+          <a:p>
+            <a:pPr marL="800100" lvl="1" indent="-342900" algn="l">
+              <a:buClr>
+                <a:srgbClr val="0070C0"/>
+              </a:buClr>
+              <a:buSzPct val="80000"/>
+              <a:buFont typeface="Wingdings" pitchFamily="2" charset="2"/>
+              <a:buChar char="u"/>
+            </a:pPr>
+            <a:r>
+              <a:rPr lang="en-US" altLang="zh-TW" sz="1800" b="1" dirty="0">
+                <a:solidFill>
+                  <a:schemeClr val="tx1"/>
+                </a:solidFill>
+                <a:latin typeface="+mj-lt"/>
+              </a:rPr>
+              <a:t>React uses a lot of JSX. </a:t>
+            </a:r>
+          </a:p>
+          <a:p>
+            <a:pPr marL="800100" lvl="1" indent="-342900" algn="l">
+              <a:buClr>
+                <a:srgbClr val="0070C0"/>
+              </a:buClr>
+              <a:buSzPct val="80000"/>
+              <a:buFont typeface="Wingdings" pitchFamily="2" charset="2"/>
+              <a:buChar char="u"/>
+            </a:pPr>
+            <a:r>
+              <a:rPr lang="en-US" altLang="zh-TW" sz="1800" b="1" dirty="0">
+                <a:solidFill>
+                  <a:schemeClr val="tx1"/>
+                </a:solidFill>
+                <a:latin typeface="+mj-lt"/>
+              </a:rPr>
+              <a:t>It is really important to know what JSX and why JSX is used.</a:t>
+            </a:r>
+          </a:p>
+          <a:p>
+            <a:pPr marL="800100" lvl="1" indent="-342900" algn="l">
+              <a:buClr>
+                <a:srgbClr val="0070C0"/>
+              </a:buClr>
+              <a:buSzPct val="80000"/>
+              <a:buFont typeface="Wingdings" pitchFamily="2" charset="2"/>
+              <a:buChar char="u"/>
+            </a:pPr>
+            <a:r>
+              <a:rPr lang="en-US" altLang="zh-TW" sz="1800" b="1" dirty="0">
+                <a:solidFill>
+                  <a:schemeClr val="tx1"/>
+                </a:solidFill>
+                <a:latin typeface="+mj-lt"/>
+              </a:rPr>
+              <a:t>JavaScript XML (JSX): Extension to the JavaScript language syntax.</a:t>
+            </a:r>
+          </a:p>
+          <a:p>
+            <a:pPr marL="800100" lvl="1" indent="-342900" algn="l">
+              <a:buClr>
+                <a:srgbClr val="0070C0"/>
+              </a:buClr>
+              <a:buSzPct val="80000"/>
+              <a:buFont typeface="Wingdings" pitchFamily="2" charset="2"/>
+              <a:buChar char="u"/>
+            </a:pPr>
+            <a:r>
+              <a:rPr lang="en-US" altLang="zh-TW" sz="1800" b="1" dirty="0">
+                <a:solidFill>
+                  <a:schemeClr val="tx1"/>
+                </a:solidFill>
+                <a:latin typeface="+mj-lt"/>
+              </a:rPr>
+              <a:t>With the React Library, you can write XML-like code for elements and components.</a:t>
+            </a:r>
+          </a:p>
+          <a:p>
+            <a:pPr marL="800100" lvl="1" indent="-342900" algn="l">
+              <a:buClr>
+                <a:srgbClr val="0070C0"/>
+              </a:buClr>
+              <a:buSzPct val="80000"/>
+              <a:buFont typeface="Wingdings" pitchFamily="2" charset="2"/>
+              <a:buChar char="u"/>
+            </a:pPr>
+            <a:r>
+              <a:rPr lang="en-US" altLang="zh-TW" sz="1800" b="1" dirty="0">
+                <a:solidFill>
+                  <a:schemeClr val="tx1"/>
+                </a:solidFill>
+                <a:latin typeface="+mj-lt"/>
+              </a:rPr>
+              <a:t>Just like HTML, JSX tags have a tag name, attributes, and children.</a:t>
+            </a:r>
+          </a:p>
+          <a:p>
+            <a:pPr marL="800100" lvl="1" indent="-342900" algn="l">
+              <a:buClr>
+                <a:srgbClr val="0070C0"/>
+              </a:buClr>
+              <a:buSzPct val="80000"/>
+              <a:buFont typeface="Wingdings" pitchFamily="2" charset="2"/>
+              <a:buChar char="u"/>
+            </a:pPr>
+            <a:r>
+              <a:rPr lang="en-US" altLang="zh-TW" sz="1800" b="1" dirty="0">
+                <a:solidFill>
+                  <a:schemeClr val="tx1"/>
+                </a:solidFill>
+                <a:latin typeface="+mj-lt"/>
+              </a:rPr>
+              <a:t>JSX makes your React code simpler and elegant. </a:t>
+            </a:r>
+          </a:p>
+          <a:p>
+            <a:pPr marL="800100" lvl="1" indent="-342900" algn="l">
+              <a:buClr>
+                <a:srgbClr val="0070C0"/>
+              </a:buClr>
+              <a:buSzPct val="80000"/>
+              <a:buFont typeface="Wingdings" pitchFamily="2" charset="2"/>
+              <a:buChar char="u"/>
+            </a:pPr>
+            <a:r>
+              <a:rPr lang="en-US" altLang="zh-TW" sz="1800" b="1" dirty="0">
+                <a:solidFill>
+                  <a:schemeClr val="tx1"/>
+                </a:solidFill>
+                <a:latin typeface="+mj-lt"/>
+              </a:rPr>
+              <a:t>JSX ultimately transpiles to pure JavaScript which is understood by the browsers.</a:t>
             </a:r>
           </a:p>
           <a:p>
@@ -5085,15 +5307,12 @@
               <a:buFont typeface="Wingdings" pitchFamily="2" charset="2"/>
               <a:buChar char="u"/>
             </a:pPr>
-            <a:r>
-              <a:rPr lang="en-US" altLang="zh-TW" sz="1600" b="1" dirty="0">
-                <a:solidFill>
-                  <a:schemeClr val="tx1"/>
-                </a:solidFill>
-                <a:latin typeface="+mj-lt"/>
-              </a:rPr>
-              <a:t>The React Library include the translation of JSX into JavaScript code.</a:t>
-            </a:r>
+            <a:endParaRPr lang="en-US" altLang="zh-TW" sz="1800" b="1" dirty="0">
+              <a:solidFill>
+                <a:schemeClr val="tx1"/>
+              </a:solidFill>
+              <a:latin typeface="+mj-lt"/>
+            </a:endParaRPr>
           </a:p>
           <a:p>
             <a:pPr marL="342900" indent="-342900" algn="l">
@@ -5104,34 +5323,12 @@
               <a:buFont typeface="Wingdings" pitchFamily="2" charset="2"/>
               <a:buChar char="u"/>
             </a:pPr>
-            <a:r>
-              <a:rPr lang="en-US" altLang="zh-TW" sz="1600" b="1" dirty="0">
-                <a:solidFill>
-                  <a:schemeClr val="tx1"/>
-                </a:solidFill>
-                <a:latin typeface="+mj-lt"/>
-              </a:rPr>
-              <a:t>If we have hundreds of elements, the JavaScript code to create element will become very clumsy. </a:t>
-            </a:r>
-          </a:p>
-          <a:p>
-            <a:pPr marL="342900" indent="-342900" algn="l">
-              <a:buClr>
-                <a:srgbClr val="0070C0"/>
-              </a:buClr>
-              <a:buSzPct val="80000"/>
-              <a:buFont typeface="Wingdings" pitchFamily="2" charset="2"/>
-              <a:buChar char="u"/>
-            </a:pPr>
-            <a:r>
-              <a:rPr lang="en-US" altLang="zh-TW" sz="1600" b="1" dirty="0">
-                <a:solidFill>
-                  <a:schemeClr val="tx1"/>
-                </a:solidFill>
-                <a:latin typeface="+mj-lt"/>
-              </a:rPr>
-              <a:t>JSX, on the other hand, will keep the code elegant, simple, and readable.</a:t>
-            </a:r>
+            <a:endParaRPr lang="en-US" altLang="zh-TW" sz="1800" b="1" dirty="0">
+              <a:solidFill>
+                <a:schemeClr val="tx1"/>
+              </a:solidFill>
+              <a:latin typeface="+mj-lt"/>
+            </a:endParaRPr>
           </a:p>
         </p:txBody>
       </p:sp>
@@ -5217,7 +5414,7 @@
             <a:fld id="{A4F910E6-8D00-4BAF-8C48-9688E0B449D3}" type="datetime1">
               <a:rPr lang="zh-TW" altLang="en-US" smtClean="0"/>
               <a:pPr/>
-              <a:t>2020/3/31</a:t>
+              <a:t>2020/6/28</a:t>
             </a:fld>
             <a:endParaRPr lang="zh-TW" altLang="en-US"/>
           </a:p>
@@ -5246,7 +5443,7 @@
             <a:fld id="{E4D7E63D-91F2-4366-A2C4-1B00C9E2590E}" type="slidenum">
               <a:rPr lang="zh-TW" altLang="en-US" smtClean="0"/>
               <a:pPr/>
-              <a:t>5</a:t>
+              <a:t>14</a:t>
             </a:fld>
             <a:endParaRPr lang="zh-TW" altLang="en-US"/>
           </a:p>
@@ -5255,7 +5452,7 @@
     </p:spTree>
     <p:extLst>
       <p:ext uri="{BB962C8B-B14F-4D97-AF65-F5344CB8AC3E}">
-        <p14:creationId xmlns:p14="http://schemas.microsoft.com/office/powerpoint/2010/main" val="1441412417"/>
+        <p14:creationId xmlns:p14="http://schemas.microsoft.com/office/powerpoint/2010/main" val="158709347"/>
       </p:ext>
     </p:extLst>
   </p:cSld>
@@ -5265,7 +5462,166 @@
 </p:sld>
 </file>
 
-<file path=ppt/slides/slide6.xml><?xml version="1.0" encoding="utf-8"?>
+<file path=ppt/slides/slide15.xml><?xml version="1.0" encoding="utf-8"?>
+<p:sld xmlns:a="http://schemas.openxmlformats.org/drawingml/2006/main" xmlns:r="http://schemas.openxmlformats.org/officeDocument/2006/relationships" xmlns:p="http://schemas.openxmlformats.org/presentationml/2006/main">
+  <p:cSld>
+    <p:spTree>
+      <p:nvGrpSpPr>
+        <p:cNvPr id="1" name=""/>
+        <p:cNvGrpSpPr/>
+        <p:nvPr/>
+      </p:nvGrpSpPr>
+      <p:grpSpPr>
+        <a:xfrm>
+          <a:off x="0" y="0"/>
+          <a:ext cx="0" cy="0"/>
+          <a:chOff x="0" y="0"/>
+          <a:chExt cx="0" cy="0"/>
+        </a:xfrm>
+      </p:grpSpPr>
+      <p:sp>
+        <p:nvSpPr>
+          <p:cNvPr id="2" name="標題 1"/>
+          <p:cNvSpPr>
+            <a:spLocks noGrp="1"/>
+          </p:cNvSpPr>
+          <p:nvPr>
+            <p:ph type="ctrTitle"/>
+          </p:nvPr>
+        </p:nvSpPr>
+        <p:spPr>
+          <a:xfrm>
+            <a:off x="0" y="2130425"/>
+            <a:ext cx="9144000" cy="1470025"/>
+          </a:xfrm>
+          <a:solidFill>
+            <a:srgbClr val="00B0F0"/>
+          </a:solidFill>
+        </p:spPr>
+        <p:txBody>
+          <a:bodyPr>
+            <a:normAutofit/>
+          </a:bodyPr>
+          <a:lstStyle/>
+          <a:p>
+            <a:r>
+              <a:rPr lang="en-US" altLang="zh-TW" sz="4800" b="1" dirty="0">
+                <a:solidFill>
+                  <a:srgbClr val="FFFF00"/>
+                </a:solidFill>
+              </a:rPr>
+              <a:t>8.4 JSX </a:t>
+            </a:r>
+            <a:r>
+              <a:rPr lang="en-US" altLang="zh-TW" sz="4800" b="1" dirty="0" err="1">
+                <a:solidFill>
+                  <a:srgbClr val="FFFF00"/>
+                </a:solidFill>
+              </a:rPr>
+              <a:t>Sumamry</a:t>
+            </a:r>
+            <a:endParaRPr lang="zh-TW" altLang="en-US" sz="4800" b="1" dirty="0">
+              <a:solidFill>
+                <a:srgbClr val="FFFF00"/>
+              </a:solidFill>
+            </a:endParaRPr>
+          </a:p>
+        </p:txBody>
+      </p:sp>
+      <p:sp>
+        <p:nvSpPr>
+          <p:cNvPr id="5" name="日期版面配置區 4"/>
+          <p:cNvSpPr>
+            <a:spLocks noGrp="1"/>
+          </p:cNvSpPr>
+          <p:nvPr>
+            <p:ph type="dt" sz="half" idx="10"/>
+          </p:nvPr>
+        </p:nvSpPr>
+        <p:spPr/>
+        <p:txBody>
+          <a:bodyPr/>
+          <a:lstStyle/>
+          <a:p>
+            <a:fld id="{C389EDC9-19E3-47AC-9C57-C6A24DEA81AD}" type="datetime1">
+              <a:rPr lang="zh-TW" altLang="en-US" smtClean="0"/>
+              <a:pPr/>
+              <a:t>2020/6/28</a:t>
+            </a:fld>
+            <a:endParaRPr lang="zh-TW" altLang="en-US"/>
+          </a:p>
+        </p:txBody>
+      </p:sp>
+      <p:sp>
+        <p:nvSpPr>
+          <p:cNvPr id="6" name="投影片編號版面配置區 5"/>
+          <p:cNvSpPr>
+            <a:spLocks noGrp="1"/>
+          </p:cNvSpPr>
+          <p:nvPr>
+            <p:ph type="sldNum" sz="quarter" idx="12"/>
+          </p:nvPr>
+        </p:nvSpPr>
+        <p:spPr/>
+        <p:txBody>
+          <a:bodyPr/>
+          <a:lstStyle/>
+          <a:p>
+            <a:fld id="{E4D7E63D-91F2-4366-A2C4-1B00C9E2590E}" type="slidenum">
+              <a:rPr lang="zh-TW" altLang="en-US" smtClean="0"/>
+              <a:pPr/>
+              <a:t>15</a:t>
+            </a:fld>
+            <a:endParaRPr lang="zh-TW" altLang="en-US"/>
+          </a:p>
+        </p:txBody>
+      </p:sp>
+      <p:pic>
+        <p:nvPicPr>
+          <p:cNvPr id="2050" name="Picture 2"/>
+          <p:cNvPicPr>
+            <a:picLocks noChangeAspect="1" noChangeArrowheads="1"/>
+          </p:cNvPicPr>
+          <p:nvPr/>
+        </p:nvPicPr>
+        <p:blipFill>
+          <a:blip r:embed="rId2" cstate="print"/>
+          <a:srcRect/>
+          <a:stretch>
+            <a:fillRect/>
+          </a:stretch>
+        </p:blipFill>
+        <p:spPr bwMode="auto">
+          <a:xfrm>
+            <a:off x="4283968" y="3717032"/>
+            <a:ext cx="713805" cy="644588"/>
+          </a:xfrm>
+          <a:prstGeom prst="rect">
+            <a:avLst/>
+          </a:prstGeom>
+          <a:noFill/>
+          <a:ln w="9525">
+            <a:noFill/>
+            <a:miter lim="800000"/>
+            <a:headEnd/>
+            <a:tailEnd/>
+          </a:ln>
+        </p:spPr>
+      </p:pic>
+    </p:spTree>
+    <p:extLst>
+      <p:ext uri="{BB962C8B-B14F-4D97-AF65-F5344CB8AC3E}">
+        <p14:creationId xmlns:p14="http://schemas.microsoft.com/office/powerpoint/2010/main" val="2722793277"/>
+      </p:ext>
+    </p:extLst>
+  </p:cSld>
+  <p:clrMapOvr>
+    <a:masterClrMapping/>
+  </p:clrMapOvr>
+</p:sld>
+</file>
+
+<file path=ppt/slides/slide16.xml><?xml version="1.0" encoding="utf-8"?>
 <p:sld xmlns:a="http://schemas.openxmlformats.org/drawingml/2006/main" xmlns:r="http://schemas.openxmlformats.org/officeDocument/2006/relationships" xmlns:p="http://schemas.openxmlformats.org/presentationml/2006/main">
   <p:cSld>
     <p:spTree>
@@ -5337,7 +5693,7 @@
                   <a:srgbClr val="FFFF00"/>
                 </a:solidFill>
               </a:rPr>
-              <a:t>8 JSX</a:t>
+              <a:t>8.1 Quiz</a:t>
             </a:r>
             <a:endParaRPr lang="zh-TW" altLang="en-US" b="1" dirty="0">
               <a:solidFill>
@@ -5359,8 +5715,8 @@
         </p:nvSpPr>
         <p:spPr>
           <a:xfrm>
-            <a:off x="467544" y="1340765"/>
-            <a:ext cx="8219256" cy="648075"/>
+            <a:off x="467544" y="1340764"/>
+            <a:ext cx="8219256" cy="2376267"/>
           </a:xfrm>
           <a:ln>
             <a:solidFill>
@@ -5383,13 +5739,13 @@
               <a:buChar char="u"/>
             </a:pPr>
             <a:r>
-              <a:rPr lang="en-US" altLang="zh-TW" sz="1600" b="1" dirty="0">
+              <a:rPr lang="en-US" altLang="zh-TW" sz="1800" b="1" dirty="0">
                 <a:solidFill>
                   <a:schemeClr val="tx1"/>
                 </a:solidFill>
                 <a:latin typeface="+mj-lt"/>
               </a:rPr>
-              <a:t>HTML vs JSX:</a:t>
+              <a:t>Quiz</a:t>
             </a:r>
           </a:p>
           <a:p>
@@ -5402,14 +5758,135 @@
               <a:buChar char="u"/>
             </a:pPr>
             <a:r>
-              <a:rPr lang="en-US" altLang="zh-TW" sz="1600" b="1" dirty="0">
+              <a:rPr lang="en-US" sz="1800" b="1" dirty="0">
                 <a:solidFill>
                   <a:schemeClr val="tx1"/>
                 </a:solidFill>
+              </a:rPr>
+              <a:t>1. What is JSX?</a:t>
+            </a:r>
+          </a:p>
+          <a:p>
+            <a:pPr marL="342900" indent="-342900" algn="l">
+              <a:buClr>
+                <a:srgbClr val="0070C0"/>
+              </a:buClr>
+              <a:buSzPct val="80000"/>
+              <a:buFont typeface="Wingdings" pitchFamily="2" charset="2"/>
+              <a:buChar char="u"/>
+            </a:pPr>
+            <a:r>
+              <a:rPr lang="en-US" sz="1800" b="1" dirty="0">
+                <a:solidFill>
+                  <a:schemeClr val="tx1"/>
+                </a:solidFill>
+              </a:rPr>
+              <a:t>Ans: JavaScript Extension. JSX is very similar to HTML.</a:t>
+            </a:r>
+          </a:p>
+          <a:p>
+            <a:pPr marL="342900" indent="-342900" algn="l">
+              <a:buClr>
+                <a:srgbClr val="0070C0"/>
+              </a:buClr>
+              <a:buSzPct val="80000"/>
+              <a:buFont typeface="Wingdings" pitchFamily="2" charset="2"/>
+              <a:buChar char="u"/>
+            </a:pPr>
+            <a:r>
+              <a:rPr lang="en-US" sz="1800" b="1" dirty="0">
+                <a:solidFill>
+                  <a:schemeClr val="tx1"/>
+                </a:solidFill>
+              </a:rPr>
+              <a:t>2. Why we need JAX?</a:t>
+            </a:r>
+          </a:p>
+          <a:p>
+            <a:pPr marL="342900" indent="-342900" algn="l">
+              <a:buClr>
+                <a:srgbClr val="0070C0"/>
+              </a:buClr>
+              <a:buSzPct val="80000"/>
+              <a:buFont typeface="Wingdings" pitchFamily="2" charset="2"/>
+              <a:buChar char="u"/>
+            </a:pPr>
+            <a:r>
+              <a:rPr lang="en-US" sz="1800" b="1" dirty="0">
+                <a:solidFill>
+                  <a:schemeClr val="tx1"/>
+                </a:solidFill>
+              </a:rPr>
+              <a:t>Ans: </a:t>
+            </a:r>
+            <a:r>
+              <a:rPr lang="en-US" altLang="zh-TW" sz="1800" b="1" dirty="0">
+                <a:solidFill>
+                  <a:schemeClr val="tx1"/>
+                </a:solidFill>
                 <a:latin typeface="+mj-lt"/>
               </a:rPr>
-              <a:t>We compare the difference of HTML and JSX.</a:t>
-            </a:r>
+              <a:t>JSX makes your React code simpler and elegant. </a:t>
+            </a:r>
+          </a:p>
+          <a:p>
+            <a:pPr marL="342900" indent="-342900" algn="l">
+              <a:buClr>
+                <a:srgbClr val="0070C0"/>
+              </a:buClr>
+              <a:buSzPct val="80000"/>
+              <a:buFont typeface="Wingdings" pitchFamily="2" charset="2"/>
+              <a:buChar char="u"/>
+            </a:pPr>
+            <a:r>
+              <a:rPr lang="en-US" sz="1800" b="1" dirty="0">
+                <a:solidFill>
+                  <a:schemeClr val="tx1"/>
+                </a:solidFill>
+                <a:latin typeface="+mj-lt"/>
+              </a:rPr>
+              <a:t>3. What are difference between HTML and JAX?</a:t>
+            </a:r>
+          </a:p>
+          <a:p>
+            <a:pPr marL="342900" indent="-342900" algn="l">
+              <a:buClr>
+                <a:srgbClr val="0070C0"/>
+              </a:buClr>
+              <a:buSzPct val="80000"/>
+              <a:buFont typeface="Wingdings" pitchFamily="2" charset="2"/>
+              <a:buChar char="u"/>
+            </a:pPr>
+            <a:r>
+              <a:rPr lang="en-US" sz="1800" b="1" dirty="0">
+                <a:solidFill>
+                  <a:schemeClr val="tx1"/>
+                </a:solidFill>
+                <a:latin typeface="+mj-lt"/>
+              </a:rPr>
+              <a:t>Ans:</a:t>
+            </a:r>
+            <a:endParaRPr lang="en-US" sz="1800" b="1" dirty="0">
+              <a:solidFill>
+                <a:schemeClr val="tx1"/>
+              </a:solidFill>
+            </a:endParaRPr>
+          </a:p>
+          <a:p>
+            <a:pPr marL="342900" indent="-342900" algn="l">
+              <a:buClr>
+                <a:srgbClr val="0070C0"/>
+              </a:buClr>
+              <a:buSzPct val="80000"/>
+              <a:buFont typeface="Wingdings" pitchFamily="2" charset="2"/>
+              <a:buChar char="u"/>
+            </a:pPr>
+            <a:endParaRPr lang="en-US" altLang="zh-TW" sz="1800" b="1" dirty="0">
+              <a:solidFill>
+                <a:schemeClr val="tx1"/>
+              </a:solidFill>
+              <a:latin typeface="+mj-lt"/>
+            </a:endParaRPr>
           </a:p>
         </p:txBody>
       </p:sp>
@@ -5495,7 +5972,7 @@
             <a:fld id="{A4F910E6-8D00-4BAF-8C48-9688E0B449D3}" type="datetime1">
               <a:rPr lang="zh-TW" altLang="en-US" smtClean="0"/>
               <a:pPr/>
-              <a:t>2020/3/31</a:t>
+              <a:t>2020/6/28</a:t>
             </a:fld>
             <a:endParaRPr lang="zh-TW" altLang="en-US"/>
           </a:p>
@@ -5524,7 +6001,7 @@
             <a:fld id="{E4D7E63D-91F2-4366-A2C4-1B00C9E2590E}" type="slidenum">
               <a:rPr lang="zh-TW" altLang="en-US" smtClean="0"/>
               <a:pPr/>
-              <a:t>6</a:t>
+              <a:t>16</a:t>
             </a:fld>
             <a:endParaRPr lang="zh-TW" altLang="en-US"/>
           </a:p>
@@ -5532,10 +6009,10 @@
       </p:sp>
       <p:sp>
         <p:nvSpPr>
-          <p:cNvPr id="7" name="Rectangle 6">
+          <p:cNvPr id="8" name="Rectangle 7">
             <a:extLst>
               <a:ext uri="{FF2B5EF4-FFF2-40B4-BE49-F238E27FC236}">
-                <a16:creationId xmlns:a16="http://schemas.microsoft.com/office/drawing/2014/main" id="{C28F199D-90E2-4CAC-AFFD-4CFFDA4910F0}"/>
+                <a16:creationId xmlns:a16="http://schemas.microsoft.com/office/drawing/2014/main" id="{B3C60FB5-1B9E-4AFB-863F-960AB0AAA7D8}"/>
               </a:ext>
             </a:extLst>
           </p:cNvPr>
@@ -5544,8 +6021,8 @@
         </p:nvSpPr>
         <p:spPr>
           <a:xfrm>
-            <a:off x="476146" y="2569765"/>
-            <a:ext cx="3888432" cy="1579315"/>
+            <a:off x="515332" y="4170620"/>
+            <a:ext cx="3912652" cy="1787115"/>
           </a:xfrm>
           <a:prstGeom prst="rect">
             <a:avLst/>
@@ -5597,20 +6074,28 @@
                   <a:schemeClr val="tx1"/>
                 </a:solidFill>
               </a:rPr>
-              <a:t>camelCase property naming convention</a:t>
-            </a:r>
-          </a:p>
-          <a:p>
+              <a:t>Lowercase only for property naming convention</a:t>
+            </a:r>
+          </a:p>
+          <a:p>
+            <a:pPr marL="800100" lvl="1" indent="-342900">
+              <a:buFont typeface="+mj-lt"/>
+              <a:buAutoNum type="arabicPeriod"/>
+            </a:pPr>
             <a:r>
               <a:rPr lang="en-US" dirty="0">
                 <a:solidFill>
                   <a:schemeClr val="tx1"/>
                 </a:solidFill>
               </a:rPr>
-              <a:t>Onclick</a:t>
-            </a:r>
-          </a:p>
-          <a:p>
+              <a:t>onclick</a:t>
+            </a:r>
+          </a:p>
+          <a:p>
+            <a:pPr marL="800100" lvl="1" indent="-342900">
+              <a:buFont typeface="+mj-lt"/>
+              <a:buAutoNum type="arabicPeriod"/>
+            </a:pPr>
             <a:r>
               <a:rPr lang="en-US" dirty="0" err="1">
                 <a:solidFill>
@@ -5629,10 +6114,10 @@
       </p:sp>
       <p:sp>
         <p:nvSpPr>
-          <p:cNvPr id="8" name="Rectangle 7">
+          <p:cNvPr id="9" name="Rectangle 8">
             <a:extLst>
               <a:ext uri="{FF2B5EF4-FFF2-40B4-BE49-F238E27FC236}">
-                <a16:creationId xmlns:a16="http://schemas.microsoft.com/office/drawing/2014/main" id="{CBD86008-5CB1-44DF-BED6-88346513B1BE}"/>
+                <a16:creationId xmlns:a16="http://schemas.microsoft.com/office/drawing/2014/main" id="{E5AD82DA-800A-4949-8073-7132493B7B7A}"/>
               </a:ext>
             </a:extLst>
           </p:cNvPr>
@@ -5641,7 +6126,7 @@
         </p:nvSpPr>
         <p:spPr>
           <a:xfrm>
-            <a:off x="476146" y="2170694"/>
+            <a:off x="515332" y="3771549"/>
             <a:ext cx="1152128" cy="326611"/>
           </a:xfrm>
           <a:prstGeom prst="rect">
@@ -5685,10 +6170,10 @@
       </p:sp>
       <p:sp>
         <p:nvSpPr>
-          <p:cNvPr id="9" name="Rectangle 8">
+          <p:cNvPr id="10" name="Rectangle 9">
             <a:extLst>
               <a:ext uri="{FF2B5EF4-FFF2-40B4-BE49-F238E27FC236}">
-                <a16:creationId xmlns:a16="http://schemas.microsoft.com/office/drawing/2014/main" id="{B99CABE1-34D4-4009-815C-B6F8D7FEC30D}"/>
+                <a16:creationId xmlns:a16="http://schemas.microsoft.com/office/drawing/2014/main" id="{5DF697F7-9943-4E15-BDCB-4402FFCA2764}"/>
               </a:ext>
             </a:extLst>
           </p:cNvPr>
@@ -5697,8 +6182,8 @@
         </p:nvSpPr>
         <p:spPr>
           <a:xfrm>
-            <a:off x="4779424" y="2593279"/>
-            <a:ext cx="4104458" cy="1579315"/>
+            <a:off x="4818610" y="4194134"/>
+            <a:ext cx="4104458" cy="1555801"/>
           </a:xfrm>
           <a:prstGeom prst="rect">
             <a:avLst/>
@@ -5764,6 +6249,10 @@
             </a:r>
           </a:p>
           <a:p>
+            <a:pPr marL="800100" lvl="1" indent="-342900">
+              <a:buFont typeface="+mj-lt"/>
+              <a:buAutoNum type="arabicPeriod"/>
+            </a:pPr>
             <a:r>
               <a:rPr lang="en-US" dirty="0" err="1">
                 <a:solidFill>
@@ -5779,6 +6268,10 @@
             </a:endParaRPr>
           </a:p>
           <a:p>
+            <a:pPr marL="800100" lvl="1" indent="-342900">
+              <a:buFont typeface="+mj-lt"/>
+              <a:buAutoNum type="arabicPeriod"/>
+            </a:pPr>
             <a:r>
               <a:rPr lang="en-US" dirty="0" err="1">
                 <a:solidFill>
@@ -5797,10 +6290,10 @@
       </p:sp>
       <p:sp>
         <p:nvSpPr>
-          <p:cNvPr id="10" name="Rectangle 9">
+          <p:cNvPr id="11" name="Rectangle 10">
             <a:extLst>
               <a:ext uri="{FF2B5EF4-FFF2-40B4-BE49-F238E27FC236}">
-                <a16:creationId xmlns:a16="http://schemas.microsoft.com/office/drawing/2014/main" id="{49002A09-8399-4B3C-BF6C-B4AD53C5E69F}"/>
+                <a16:creationId xmlns:a16="http://schemas.microsoft.com/office/drawing/2014/main" id="{D038B1F4-6CF0-4C46-BD77-4E1187EEC893}"/>
               </a:ext>
             </a:extLst>
           </p:cNvPr>
@@ -5809,7 +6302,7 @@
         </p:nvSpPr>
         <p:spPr>
           <a:xfrm>
-            <a:off x="4779424" y="2194664"/>
+            <a:off x="4791359" y="3793919"/>
             <a:ext cx="1152128" cy="326611"/>
           </a:xfrm>
           <a:prstGeom prst="rect">
@@ -5854,7 +6347,7 @@
     </p:spTree>
     <p:extLst>
       <p:ext uri="{BB962C8B-B14F-4D97-AF65-F5344CB8AC3E}">
-        <p14:creationId xmlns:p14="http://schemas.microsoft.com/office/powerpoint/2010/main" val="3317021097"/>
+        <p14:creationId xmlns:p14="http://schemas.microsoft.com/office/powerpoint/2010/main" val="3094050618"/>
       </p:ext>
     </p:extLst>
   </p:cSld>
@@ -5864,7 +6357,144 @@
 </p:sld>
 </file>
 
-<file path=ppt/slides/slide7.xml><?xml version="1.0" encoding="utf-8"?>
+<file path=ppt/slides/slide17.xml><?xml version="1.0" encoding="utf-8"?>
+<p:sld xmlns:a="http://schemas.openxmlformats.org/drawingml/2006/main" xmlns:r="http://schemas.openxmlformats.org/officeDocument/2006/relationships" xmlns:p="http://schemas.openxmlformats.org/presentationml/2006/main">
+  <p:cSld>
+    <p:spTree>
+      <p:nvGrpSpPr>
+        <p:cNvPr id="1" name=""/>
+        <p:cNvGrpSpPr/>
+        <p:nvPr/>
+      </p:nvGrpSpPr>
+      <p:grpSpPr>
+        <a:xfrm>
+          <a:off x="0" y="0"/>
+          <a:ext cx="0" cy="0"/>
+          <a:chOff x="0" y="0"/>
+          <a:chExt cx="0" cy="0"/>
+        </a:xfrm>
+      </p:grpSpPr>
+      <p:sp>
+        <p:nvSpPr>
+          <p:cNvPr id="2" name="標題 1"/>
+          <p:cNvSpPr>
+            <a:spLocks noGrp="1"/>
+          </p:cNvSpPr>
+          <p:nvPr>
+            <p:ph type="ctrTitle"/>
+          </p:nvPr>
+        </p:nvSpPr>
+        <p:spPr>
+          <a:xfrm>
+            <a:off x="0" y="2130425"/>
+            <a:ext cx="9144000" cy="1470025"/>
+          </a:xfrm>
+          <a:gradFill flip="none" rotWithShape="1">
+            <a:gsLst>
+              <a:gs pos="0">
+                <a:srgbClr val="00B0F0">
+                  <a:shade val="30000"/>
+                  <a:satMod val="115000"/>
+                </a:srgbClr>
+              </a:gs>
+              <a:gs pos="50000">
+                <a:srgbClr val="00B0F0">
+                  <a:shade val="67500"/>
+                  <a:satMod val="115000"/>
+                </a:srgbClr>
+              </a:gs>
+              <a:gs pos="100000">
+                <a:srgbClr val="00B0F0">
+                  <a:shade val="100000"/>
+                  <a:satMod val="115000"/>
+                </a:srgbClr>
+              </a:gs>
+            </a:gsLst>
+            <a:path path="circle">
+              <a:fillToRect t="100000" r="100000"/>
+            </a:path>
+            <a:tileRect l="-100000" b="-100000"/>
+          </a:gradFill>
+        </p:spPr>
+        <p:txBody>
+          <a:bodyPr>
+            <a:normAutofit/>
+          </a:bodyPr>
+          <a:lstStyle/>
+          <a:p>
+            <a:r>
+              <a:rPr lang="en-US" altLang="zh-TW" sz="6000" b="1" dirty="0">
+                <a:solidFill>
+                  <a:srgbClr val="FFFF00"/>
+                </a:solidFill>
+              </a:rPr>
+              <a:t>End of Chapter</a:t>
+            </a:r>
+            <a:endParaRPr lang="zh-TW" altLang="en-US" sz="6000" b="1" dirty="0">
+              <a:solidFill>
+                <a:srgbClr val="FFFF00"/>
+              </a:solidFill>
+            </a:endParaRPr>
+          </a:p>
+        </p:txBody>
+      </p:sp>
+      <p:sp>
+        <p:nvSpPr>
+          <p:cNvPr id="5" name="日期版面配置區 4"/>
+          <p:cNvSpPr>
+            <a:spLocks noGrp="1"/>
+          </p:cNvSpPr>
+          <p:nvPr>
+            <p:ph type="dt" sz="half" idx="10"/>
+          </p:nvPr>
+        </p:nvSpPr>
+        <p:spPr/>
+        <p:txBody>
+          <a:bodyPr/>
+          <a:lstStyle/>
+          <a:p>
+            <a:fld id="{4E46BE27-E923-4EC2-B046-3272AE2A3E5C}" type="datetime1">
+              <a:rPr lang="zh-TW" altLang="en-US" smtClean="0"/>
+              <a:pPr/>
+              <a:t>2020/6/28</a:t>
+            </a:fld>
+            <a:endParaRPr lang="zh-TW" altLang="en-US"/>
+          </a:p>
+        </p:txBody>
+      </p:sp>
+      <p:sp>
+        <p:nvSpPr>
+          <p:cNvPr id="6" name="投影片編號版面配置區 5"/>
+          <p:cNvSpPr>
+            <a:spLocks noGrp="1"/>
+          </p:cNvSpPr>
+          <p:nvPr>
+            <p:ph type="sldNum" sz="quarter" idx="12"/>
+          </p:nvPr>
+        </p:nvSpPr>
+        <p:spPr/>
+        <p:txBody>
+          <a:bodyPr/>
+          <a:lstStyle/>
+          <a:p>
+            <a:fld id="{E4D7E63D-91F2-4366-A2C4-1B00C9E2590E}" type="slidenum">
+              <a:rPr lang="zh-TW" altLang="en-US" smtClean="0"/>
+              <a:pPr/>
+              <a:t>17</a:t>
+            </a:fld>
+            <a:endParaRPr lang="zh-TW" altLang="en-US"/>
+          </a:p>
+        </p:txBody>
+      </p:sp>
+    </p:spTree>
+  </p:cSld>
+  <p:clrMapOvr>
+    <a:masterClrMapping/>
+  </p:clrMapOvr>
+</p:sld>
+</file>
+
+<file path=ppt/slides/slide2.xml><?xml version="1.0" encoding="utf-8"?>
 <p:sld xmlns:a="http://schemas.openxmlformats.org/drawingml/2006/main" xmlns:r="http://schemas.openxmlformats.org/officeDocument/2006/relationships" xmlns:p="http://schemas.openxmlformats.org/presentationml/2006/main">
   <p:cSld>
     <p:spTree>
@@ -5958,8 +6588,8 @@
         </p:nvSpPr>
         <p:spPr>
           <a:xfrm>
-            <a:off x="467544" y="1340765"/>
-            <a:ext cx="8219256" cy="1512171"/>
+            <a:off x="429183" y="1340766"/>
+            <a:ext cx="8219256" cy="4176466"/>
           </a:xfrm>
           <a:ln>
             <a:solidFill>
@@ -5982,13 +6612,13 @@
               <a:buChar char="u"/>
             </a:pPr>
             <a:r>
-              <a:rPr lang="en-US" altLang="zh-TW" sz="1600" b="1" dirty="0">
+              <a:rPr lang="en-US" altLang="zh-TW" sz="1800" b="1" dirty="0">
                 <a:solidFill>
                   <a:schemeClr val="tx1"/>
                 </a:solidFill>
                 <a:latin typeface="+mj-lt"/>
               </a:rPr>
-              <a:t>React Fire: Modernizing React DOM</a:t>
+              <a:t>JSX:</a:t>
             </a:r>
           </a:p>
           <a:p>
@@ -6001,12 +6631,14 @@
               <a:buChar char="u"/>
             </a:pPr>
             <a:r>
-              <a:rPr lang="en-US" sz="1600" dirty="0">
-                <a:hlinkClick r:id="rId2"/>
-              </a:rPr>
-              <a:t>https://github.com/facebook/react/issues/13525</a:t>
-            </a:r>
-            <a:endParaRPr lang="en-US" sz="1600" dirty="0"/>
+              <a:rPr lang="en-US" altLang="zh-TW" sz="1800" b="1" dirty="0">
+                <a:solidFill>
+                  <a:schemeClr val="tx1"/>
+                </a:solidFill>
+                <a:latin typeface="+mj-lt"/>
+              </a:rPr>
+              <a:t>React uses a lot of JSX. </a:t>
+            </a:r>
           </a:p>
           <a:p>
             <a:pPr marL="342900" indent="-342900" algn="l">
@@ -6018,13 +6650,13 @@
               <a:buChar char="u"/>
             </a:pPr>
             <a:r>
-              <a:rPr lang="en-US" altLang="zh-TW" sz="1600" b="1" dirty="0">
+              <a:rPr lang="en-US" altLang="zh-TW" sz="1800" b="1" dirty="0">
                 <a:solidFill>
                   <a:schemeClr val="tx1"/>
                 </a:solidFill>
                 <a:latin typeface="+mj-lt"/>
               </a:rPr>
-              <a:t>React changing code discussion panel.</a:t>
+              <a:t>It is really important to know what JSX and why JSX is used.</a:t>
             </a:r>
           </a:p>
           <a:p>
@@ -6037,31 +6669,13 @@
               <a:buChar char="u"/>
             </a:pPr>
             <a:r>
-              <a:rPr lang="en-US" altLang="zh-TW" sz="1600" b="1" dirty="0">
-                <a:solidFill>
-                  <a:schemeClr val="tx1"/>
+              <a:rPr lang="en-US" altLang="zh-TW" sz="1800" b="1" dirty="0">
+                <a:solidFill>
+                  <a:srgbClr val="C00000"/>
                 </a:solidFill>
                 <a:latin typeface="+mj-lt"/>
               </a:rPr>
-              <a:t>Change the </a:t>
-            </a:r>
-            <a:r>
-              <a:rPr lang="en-US" altLang="zh-TW" sz="1600" b="1" dirty="0" err="1">
-                <a:solidFill>
-                  <a:schemeClr val="tx1"/>
-                </a:solidFill>
-                <a:latin typeface="+mj-lt"/>
-              </a:rPr>
-              <a:t>className</a:t>
-            </a:r>
-            <a:r>
-              <a:rPr lang="en-US" altLang="zh-TW" sz="1600" b="1" dirty="0">
-                <a:solidFill>
-                  <a:schemeClr val="tx1"/>
-                </a:solidFill>
-                <a:latin typeface="+mj-lt"/>
-              </a:rPr>
-              <a:t> into Class and etc. </a:t>
+              <a:t>JavaScript XML (JSX): Extension to the JavaScript language syntax.</a:t>
             </a:r>
           </a:p>
           <a:p>
@@ -6074,14 +6688,177 @@
               <a:buChar char="u"/>
             </a:pPr>
             <a:r>
-              <a:rPr lang="en-US" altLang="zh-TW" sz="1600" b="1" dirty="0">
+              <a:rPr lang="en-US" altLang="zh-TW" sz="1800" b="1" dirty="0">
+                <a:solidFill>
+                  <a:srgbClr val="C00000"/>
+                </a:solidFill>
+                <a:latin typeface="+mj-lt"/>
+              </a:rPr>
+              <a:t>With the React Library, you can write XML-like code for elements and components.</a:t>
+            </a:r>
+          </a:p>
+          <a:p>
+            <a:pPr marL="342900" indent="-342900" algn="l">
+              <a:buClr>
+                <a:srgbClr val="0070C0"/>
+              </a:buClr>
+              <a:buSzPct val="80000"/>
+              <a:buFont typeface="Wingdings" pitchFamily="2" charset="2"/>
+              <a:buChar char="u"/>
+            </a:pPr>
+            <a:r>
+              <a:rPr lang="en-US" altLang="zh-TW" sz="1800" b="1" dirty="0">
+                <a:solidFill>
+                  <a:srgbClr val="C00000"/>
+                </a:solidFill>
+                <a:latin typeface="+mj-lt"/>
+              </a:rPr>
+              <a:t>Just like HTML, JSX tags have a tag name, attributes, and children.</a:t>
+            </a:r>
+          </a:p>
+          <a:p>
+            <a:pPr marL="342900" indent="-342900" algn="l">
+              <a:buClr>
+                <a:srgbClr val="0070C0"/>
+              </a:buClr>
+              <a:buSzPct val="80000"/>
+              <a:buFont typeface="Wingdings" pitchFamily="2" charset="2"/>
+              <a:buChar char="u"/>
+            </a:pPr>
+            <a:r>
+              <a:rPr lang="en-US" altLang="zh-TW" sz="1800" b="1" dirty="0">
                 <a:solidFill>
                   <a:schemeClr val="tx1"/>
                 </a:solidFill>
                 <a:latin typeface="+mj-lt"/>
               </a:rPr>
-              <a:t>This link will help you to stay update with the changes.</a:t>
-            </a:r>
+              <a:t>Why do we need JSX?</a:t>
+            </a:r>
+          </a:p>
+          <a:p>
+            <a:pPr marL="342900" indent="-342900" algn="l">
+              <a:buClr>
+                <a:srgbClr val="0070C0"/>
+              </a:buClr>
+              <a:buSzPct val="80000"/>
+              <a:buFont typeface="Wingdings" pitchFamily="2" charset="2"/>
+              <a:buChar char="u"/>
+            </a:pPr>
+            <a:r>
+              <a:rPr lang="en-US" altLang="zh-TW" sz="1800" b="1" dirty="0">
+                <a:solidFill>
+                  <a:schemeClr val="tx1"/>
+                </a:solidFill>
+                <a:latin typeface="+mj-lt"/>
+              </a:rPr>
+              <a:t>Well, the truth is </a:t>
+            </a:r>
+            <a:r>
+              <a:rPr lang="en-US" altLang="zh-TW" sz="1800" b="1" dirty="0">
+                <a:solidFill>
+                  <a:srgbClr val="C00000"/>
+                </a:solidFill>
+                <a:latin typeface="+mj-lt"/>
+              </a:rPr>
+              <a:t>JSX is not a necessity to write React applications. </a:t>
+            </a:r>
+            <a:r>
+              <a:rPr lang="en-US" altLang="zh-TW" sz="1800" b="1" dirty="0">
+                <a:solidFill>
+                  <a:schemeClr val="tx1"/>
+                </a:solidFill>
+                <a:latin typeface="+mj-lt"/>
+              </a:rPr>
+              <a:t>You can definitely use React without JSX.</a:t>
+            </a:r>
+          </a:p>
+          <a:p>
+            <a:pPr marL="342900" indent="-342900" algn="l">
+              <a:buClr>
+                <a:srgbClr val="0070C0"/>
+              </a:buClr>
+              <a:buSzPct val="80000"/>
+              <a:buFont typeface="Wingdings" pitchFamily="2" charset="2"/>
+              <a:buChar char="u"/>
+            </a:pPr>
+            <a:r>
+              <a:rPr lang="en-US" altLang="zh-TW" sz="1800" b="1" dirty="0">
+                <a:solidFill>
+                  <a:schemeClr val="tx1"/>
+                </a:solidFill>
+                <a:latin typeface="+mj-lt"/>
+              </a:rPr>
+              <a:t>But </a:t>
+            </a:r>
+            <a:r>
+              <a:rPr lang="en-US" altLang="zh-TW" sz="1800" b="1" dirty="0">
+                <a:solidFill>
+                  <a:srgbClr val="C00000"/>
+                </a:solidFill>
+                <a:latin typeface="+mj-lt"/>
+              </a:rPr>
+              <a:t>JSX makes your React code simpler and elegant. </a:t>
+            </a:r>
+            <a:r>
+              <a:rPr lang="en-US" altLang="zh-TW" sz="1800" b="1" dirty="0">
+                <a:solidFill>
+                  <a:schemeClr val="tx1"/>
+                </a:solidFill>
+                <a:latin typeface="+mj-lt"/>
+              </a:rPr>
+              <a:t>As you already seen, it provides a syntax which is familiar to many developers.</a:t>
+            </a:r>
+          </a:p>
+          <a:p>
+            <a:pPr marL="342900" indent="-342900" algn="l">
+              <a:buClr>
+                <a:srgbClr val="0070C0"/>
+              </a:buClr>
+              <a:buSzPct val="80000"/>
+              <a:buFont typeface="Wingdings" pitchFamily="2" charset="2"/>
+              <a:buChar char="u"/>
+            </a:pPr>
+            <a:r>
+              <a:rPr lang="en-US" altLang="zh-TW" sz="1800" b="1" dirty="0">
+                <a:solidFill>
+                  <a:srgbClr val="C00000"/>
+                </a:solidFill>
+                <a:latin typeface="+mj-lt"/>
+              </a:rPr>
+              <a:t>JSX ultimately transpiles to pure JavaScript which is understood by the browsers.</a:t>
+            </a:r>
+          </a:p>
+          <a:p>
+            <a:pPr marL="342900" indent="-342900" algn="l">
+              <a:buClr>
+                <a:srgbClr val="0070C0"/>
+              </a:buClr>
+              <a:buSzPct val="80000"/>
+              <a:buFont typeface="Wingdings" pitchFamily="2" charset="2"/>
+              <a:buChar char="u"/>
+            </a:pPr>
+            <a:endParaRPr lang="en-US" altLang="zh-TW" sz="1800" b="1" dirty="0">
+              <a:solidFill>
+                <a:schemeClr val="tx1"/>
+              </a:solidFill>
+              <a:latin typeface="+mj-lt"/>
+            </a:endParaRPr>
+          </a:p>
+          <a:p>
+            <a:pPr marL="342900" indent="-342900" algn="l">
+              <a:buClr>
+                <a:srgbClr val="0070C0"/>
+              </a:buClr>
+              <a:buSzPct val="80000"/>
+              <a:buFont typeface="Wingdings" pitchFamily="2" charset="2"/>
+              <a:buChar char="u"/>
+            </a:pPr>
+            <a:endParaRPr lang="en-US" altLang="zh-TW" sz="1800" b="1" dirty="0">
+              <a:solidFill>
+                <a:schemeClr val="tx1"/>
+              </a:solidFill>
+              <a:latin typeface="+mj-lt"/>
+            </a:endParaRPr>
           </a:p>
         </p:txBody>
       </p:sp>
@@ -6136,7 +6913,7 @@
           <a:p>
             <a:r>
               <a:rPr lang="en-US" sz="1600" dirty="0">
-                <a:hlinkClick r:id="rId3"/>
+                <a:hlinkClick r:id="rId2"/>
               </a:rPr>
               <a:t>https://www.youtube.com/watch?v=7fPXI_MnBOY&amp;list=PLC3y8-rFHvwgg3vaYJgHGnModB54rxOk3&amp;index=8</a:t>
             </a:r>
@@ -6167,7 +6944,7 @@
             <a:fld id="{A4F910E6-8D00-4BAF-8C48-9688E0B449D3}" type="datetime1">
               <a:rPr lang="zh-TW" altLang="en-US" smtClean="0"/>
               <a:pPr/>
-              <a:t>2020/3/31</a:t>
+              <a:t>2020/6/28</a:t>
             </a:fld>
             <a:endParaRPr lang="zh-TW" altLang="en-US"/>
           </a:p>
@@ -6189,6 +6966,1646 @@
             <a:ext cx="2133600" cy="404246"/>
           </a:xfrm>
         </p:spPr>
+        <p:txBody>
+          <a:bodyPr/>
+          <a:lstStyle/>
+          <a:p>
+            <a:fld id="{E4D7E63D-91F2-4366-A2C4-1B00C9E2590E}" type="slidenum">
+              <a:rPr lang="zh-TW" altLang="en-US" smtClean="0"/>
+              <a:pPr/>
+              <a:t>2</a:t>
+            </a:fld>
+            <a:endParaRPr lang="zh-TW" altLang="en-US"/>
+          </a:p>
+        </p:txBody>
+      </p:sp>
+    </p:spTree>
+  </p:cSld>
+  <p:clrMapOvr>
+    <a:masterClrMapping/>
+  </p:clrMapOvr>
+</p:sld>
+</file>
+
+<file path=ppt/slides/slide3.xml><?xml version="1.0" encoding="utf-8"?>
+<p:sld xmlns:a="http://schemas.openxmlformats.org/drawingml/2006/main" xmlns:r="http://schemas.openxmlformats.org/officeDocument/2006/relationships" xmlns:p="http://schemas.openxmlformats.org/presentationml/2006/main">
+  <p:cSld>
+    <p:spTree>
+      <p:nvGrpSpPr>
+        <p:cNvPr id="1" name=""/>
+        <p:cNvGrpSpPr/>
+        <p:nvPr/>
+      </p:nvGrpSpPr>
+      <p:grpSpPr>
+        <a:xfrm>
+          <a:off x="0" y="0"/>
+          <a:ext cx="0" cy="0"/>
+          <a:chOff x="0" y="0"/>
+          <a:chExt cx="0" cy="0"/>
+        </a:xfrm>
+      </p:grpSpPr>
+      <p:sp>
+        <p:nvSpPr>
+          <p:cNvPr id="2" name="標題 1"/>
+          <p:cNvSpPr>
+            <a:spLocks noGrp="1"/>
+          </p:cNvSpPr>
+          <p:nvPr>
+            <p:ph type="ctrTitle"/>
+          </p:nvPr>
+        </p:nvSpPr>
+        <p:spPr>
+          <a:xfrm>
+            <a:off x="0" y="1"/>
+            <a:ext cx="9144000" cy="764704"/>
+          </a:xfrm>
+          <a:gradFill flip="none" rotWithShape="1">
+            <a:gsLst>
+              <a:gs pos="0">
+                <a:srgbClr val="C00000">
+                  <a:shade val="30000"/>
+                  <a:satMod val="115000"/>
+                </a:srgbClr>
+              </a:gs>
+              <a:gs pos="50000">
+                <a:srgbClr val="C00000">
+                  <a:shade val="67500"/>
+                  <a:satMod val="115000"/>
+                </a:srgbClr>
+              </a:gs>
+              <a:gs pos="100000">
+                <a:srgbClr val="C00000">
+                  <a:shade val="100000"/>
+                  <a:satMod val="115000"/>
+                </a:srgbClr>
+              </a:gs>
+            </a:gsLst>
+            <a:path path="circle">
+              <a:fillToRect t="100000" r="100000"/>
+            </a:path>
+            <a:tileRect l="-100000" b="-100000"/>
+          </a:gradFill>
+        </p:spPr>
+        <p:txBody>
+          <a:bodyPr>
+            <a:normAutofit/>
+          </a:bodyPr>
+          <a:lstStyle/>
+          <a:p>
+            <a:pPr algn="l"/>
+            <a:r>
+              <a:rPr lang="en-US" altLang="zh-TW" b="1" dirty="0">
+                <a:solidFill>
+                  <a:srgbClr val="FFFF00"/>
+                </a:solidFill>
+              </a:rPr>
+              <a:t>8 JSX</a:t>
+            </a:r>
+            <a:endParaRPr lang="zh-TW" altLang="en-US" b="1" dirty="0">
+              <a:solidFill>
+                <a:srgbClr val="FFFF00"/>
+              </a:solidFill>
+            </a:endParaRPr>
+          </a:p>
+        </p:txBody>
+      </p:sp>
+      <p:sp>
+        <p:nvSpPr>
+          <p:cNvPr id="3" name="副標題 2"/>
+          <p:cNvSpPr>
+            <a:spLocks noGrp="1"/>
+          </p:cNvSpPr>
+          <p:nvPr>
+            <p:ph type="subTitle" idx="1"/>
+          </p:nvPr>
+        </p:nvSpPr>
+        <p:spPr>
+          <a:xfrm>
+            <a:off x="429183" y="1340766"/>
+            <a:ext cx="8219256" cy="2448274"/>
+          </a:xfrm>
+          <a:ln>
+            <a:solidFill>
+              <a:srgbClr val="C00000"/>
+            </a:solidFill>
+          </a:ln>
+        </p:spPr>
+        <p:txBody>
+          <a:bodyPr>
+            <a:noAutofit/>
+          </a:bodyPr>
+          <a:lstStyle/>
+          <a:p>
+            <a:pPr marL="342900" indent="-342900" algn="l">
+              <a:buClr>
+                <a:srgbClr val="0070C0"/>
+              </a:buClr>
+              <a:buSzPct val="80000"/>
+              <a:buFont typeface="Wingdings" pitchFamily="2" charset="2"/>
+              <a:buChar char="u"/>
+            </a:pPr>
+            <a:r>
+              <a:rPr lang="en-US" altLang="zh-TW" sz="1800" b="1" dirty="0">
+                <a:solidFill>
+                  <a:schemeClr val="tx1"/>
+                </a:solidFill>
+                <a:latin typeface="+mj-lt"/>
+              </a:rPr>
+              <a:t>We discussed what is JXS and why do we use it. </a:t>
+            </a:r>
+          </a:p>
+          <a:p>
+            <a:pPr marL="342900" indent="-342900" algn="l">
+              <a:buClr>
+                <a:srgbClr val="0070C0"/>
+              </a:buClr>
+              <a:buSzPct val="80000"/>
+              <a:buFont typeface="Wingdings" pitchFamily="2" charset="2"/>
+              <a:buChar char="u"/>
+            </a:pPr>
+            <a:r>
+              <a:rPr lang="en-US" altLang="zh-TW" sz="1800" b="1" dirty="0">
+                <a:solidFill>
+                  <a:schemeClr val="tx1"/>
+                </a:solidFill>
+                <a:latin typeface="+mj-lt"/>
+              </a:rPr>
+              <a:t>How it works behind the scenes. </a:t>
+            </a:r>
+          </a:p>
+          <a:p>
+            <a:pPr marL="342900" indent="-342900" algn="l">
+              <a:buClr>
+                <a:srgbClr val="0070C0"/>
+              </a:buClr>
+              <a:buSzPct val="80000"/>
+              <a:buFont typeface="Wingdings" pitchFamily="2" charset="2"/>
+              <a:buChar char="u"/>
+            </a:pPr>
+            <a:r>
+              <a:rPr lang="en-US" altLang="zh-TW" sz="1800" b="1" dirty="0">
+                <a:solidFill>
+                  <a:schemeClr val="tx1"/>
+                </a:solidFill>
+                <a:latin typeface="+mj-lt"/>
+              </a:rPr>
+              <a:t>What is the code looks like without the JSX? </a:t>
+            </a:r>
+          </a:p>
+          <a:p>
+            <a:pPr marL="342900" indent="-342900" algn="l">
+              <a:buClr>
+                <a:srgbClr val="0070C0"/>
+              </a:buClr>
+              <a:buSzPct val="80000"/>
+              <a:buFont typeface="Wingdings" pitchFamily="2" charset="2"/>
+              <a:buChar char="u"/>
+            </a:pPr>
+            <a:r>
+              <a:rPr lang="en-US" altLang="zh-TW" sz="1800" b="1" dirty="0">
+                <a:solidFill>
+                  <a:schemeClr val="tx1"/>
+                </a:solidFill>
+                <a:latin typeface="+mj-lt"/>
+              </a:rPr>
+              <a:t>Let’s look at that.</a:t>
+            </a:r>
+          </a:p>
+          <a:p>
+            <a:pPr marL="342900" indent="-342900" algn="l">
+              <a:buClr>
+                <a:srgbClr val="0070C0"/>
+              </a:buClr>
+              <a:buSzPct val="80000"/>
+              <a:buFont typeface="Wingdings" pitchFamily="2" charset="2"/>
+              <a:buChar char="u"/>
+            </a:pPr>
+            <a:r>
+              <a:rPr lang="en-US" altLang="zh-TW" sz="1800" b="1" dirty="0">
+                <a:solidFill>
+                  <a:schemeClr val="tx1"/>
+                </a:solidFill>
+                <a:latin typeface="+mj-lt"/>
+              </a:rPr>
+              <a:t>What is the code looks like with JSX and without JSX?</a:t>
+            </a:r>
+          </a:p>
+          <a:p>
+            <a:pPr marL="342900" indent="-342900" algn="l">
+              <a:buClr>
+                <a:srgbClr val="0070C0"/>
+              </a:buClr>
+              <a:buSzPct val="80000"/>
+              <a:buFont typeface="Wingdings" pitchFamily="2" charset="2"/>
+              <a:buChar char="u"/>
+            </a:pPr>
+            <a:r>
+              <a:rPr lang="en-US" altLang="zh-TW" sz="1800" b="1" dirty="0">
+                <a:solidFill>
+                  <a:schemeClr val="tx1"/>
+                </a:solidFill>
+                <a:latin typeface="+mj-lt"/>
+              </a:rPr>
+              <a:t>That way, you not only understand how JXS translates to regular JavaScript but also appreciate how JSX bring out simplicity in your code.</a:t>
+            </a:r>
+          </a:p>
+          <a:p>
+            <a:pPr marL="342900" indent="-342900" algn="l">
+              <a:buClr>
+                <a:srgbClr val="0070C0"/>
+              </a:buClr>
+              <a:buSzPct val="80000"/>
+              <a:buFont typeface="Wingdings" pitchFamily="2" charset="2"/>
+              <a:buChar char="u"/>
+            </a:pPr>
+            <a:endParaRPr lang="en-US" altLang="zh-TW" sz="1800" b="1" dirty="0">
+              <a:solidFill>
+                <a:srgbClr val="C00000"/>
+              </a:solidFill>
+              <a:latin typeface="+mj-lt"/>
+            </a:endParaRPr>
+          </a:p>
+          <a:p>
+            <a:pPr marL="342900" indent="-342900" algn="l">
+              <a:buClr>
+                <a:srgbClr val="0070C0"/>
+              </a:buClr>
+              <a:buSzPct val="80000"/>
+              <a:buFont typeface="Wingdings" pitchFamily="2" charset="2"/>
+              <a:buChar char="u"/>
+            </a:pPr>
+            <a:endParaRPr lang="en-US" altLang="zh-TW" sz="1800" b="1" dirty="0">
+              <a:solidFill>
+                <a:schemeClr val="tx1"/>
+              </a:solidFill>
+              <a:latin typeface="+mj-lt"/>
+            </a:endParaRPr>
+          </a:p>
+          <a:p>
+            <a:pPr marL="342900" indent="-342900" algn="l">
+              <a:buClr>
+                <a:srgbClr val="0070C0"/>
+              </a:buClr>
+              <a:buSzPct val="80000"/>
+              <a:buFont typeface="Wingdings" pitchFamily="2" charset="2"/>
+              <a:buChar char="u"/>
+            </a:pPr>
+            <a:endParaRPr lang="en-US" altLang="zh-TW" sz="1800" b="1" dirty="0">
+              <a:solidFill>
+                <a:schemeClr val="tx1"/>
+              </a:solidFill>
+              <a:latin typeface="+mj-lt"/>
+            </a:endParaRPr>
+          </a:p>
+        </p:txBody>
+      </p:sp>
+      <p:sp>
+        <p:nvSpPr>
+          <p:cNvPr id="4" name="標題 1"/>
+          <p:cNvSpPr txBox="1">
+            <a:spLocks/>
+          </p:cNvSpPr>
+          <p:nvPr/>
+        </p:nvSpPr>
+        <p:spPr>
+          <a:xfrm>
+            <a:off x="0" y="764704"/>
+            <a:ext cx="9144000" cy="398616"/>
+          </a:xfrm>
+          <a:prstGeom prst="rect">
+            <a:avLst/>
+          </a:prstGeom>
+          <a:gradFill flip="none" rotWithShape="1">
+            <a:gsLst>
+              <a:gs pos="0">
+                <a:srgbClr val="00B0F0">
+                  <a:shade val="30000"/>
+                  <a:satMod val="115000"/>
+                </a:srgbClr>
+              </a:gs>
+              <a:gs pos="50000">
+                <a:srgbClr val="00B0F0">
+                  <a:shade val="67500"/>
+                  <a:satMod val="115000"/>
+                </a:srgbClr>
+              </a:gs>
+              <a:gs pos="100000">
+                <a:srgbClr val="00B0F0">
+                  <a:shade val="100000"/>
+                  <a:satMod val="115000"/>
+                </a:srgbClr>
+              </a:gs>
+            </a:gsLst>
+            <a:path path="circle">
+              <a:fillToRect t="100000" r="100000"/>
+            </a:path>
+            <a:tileRect l="-100000" b="-100000"/>
+          </a:gradFill>
+        </p:spPr>
+        <p:txBody>
+          <a:bodyPr vert="horz" lIns="91440" tIns="45720" rIns="91440" bIns="45720" rtlCol="0" anchor="ctr">
+            <a:normAutofit/>
+          </a:bodyPr>
+          <a:lstStyle/>
+          <a:p>
+            <a:r>
+              <a:rPr lang="en-US" sz="1600" dirty="0">
+                <a:hlinkClick r:id="rId2"/>
+              </a:rPr>
+              <a:t>https://www.youtube.com/watch?v=7fPXI_MnBOY&amp;list=PLC3y8-rFHvwgg3vaYJgHGnModB54rxOk3&amp;index=8</a:t>
+            </a:r>
+            <a:endParaRPr lang="en-US" altLang="zh-TW" sz="1600" b="1" i="1" dirty="0"/>
+          </a:p>
+        </p:txBody>
+      </p:sp>
+      <p:sp>
+        <p:nvSpPr>
+          <p:cNvPr id="5" name="日期版面配置區 4"/>
+          <p:cNvSpPr>
+            <a:spLocks noGrp="1"/>
+          </p:cNvSpPr>
+          <p:nvPr>
+            <p:ph type="dt" sz="half" idx="10"/>
+          </p:nvPr>
+        </p:nvSpPr>
+        <p:spPr>
+          <a:xfrm>
+            <a:off x="457200" y="6356350"/>
+            <a:ext cx="2133600" cy="404246"/>
+          </a:xfrm>
+        </p:spPr>
+        <p:txBody>
+          <a:bodyPr/>
+          <a:lstStyle/>
+          <a:p>
+            <a:fld id="{A4F910E6-8D00-4BAF-8C48-9688E0B449D3}" type="datetime1">
+              <a:rPr lang="zh-TW" altLang="en-US" smtClean="0"/>
+              <a:pPr/>
+              <a:t>2020/6/28</a:t>
+            </a:fld>
+            <a:endParaRPr lang="zh-TW" altLang="en-US"/>
+          </a:p>
+        </p:txBody>
+      </p:sp>
+      <p:sp>
+        <p:nvSpPr>
+          <p:cNvPr id="6" name="投影片編號版面配置區 5"/>
+          <p:cNvSpPr>
+            <a:spLocks noGrp="1"/>
+          </p:cNvSpPr>
+          <p:nvPr>
+            <p:ph type="sldNum" sz="quarter" idx="12"/>
+          </p:nvPr>
+        </p:nvSpPr>
+        <p:spPr>
+          <a:xfrm>
+            <a:off x="6553200" y="6356350"/>
+            <a:ext cx="2133600" cy="404246"/>
+          </a:xfrm>
+        </p:spPr>
+        <p:txBody>
+          <a:bodyPr/>
+          <a:lstStyle/>
+          <a:p>
+            <a:fld id="{E4D7E63D-91F2-4366-A2C4-1B00C9E2590E}" type="slidenum">
+              <a:rPr lang="zh-TW" altLang="en-US" smtClean="0"/>
+              <a:pPr/>
+              <a:t>3</a:t>
+            </a:fld>
+            <a:endParaRPr lang="zh-TW" altLang="en-US"/>
+          </a:p>
+        </p:txBody>
+      </p:sp>
+    </p:spTree>
+    <p:extLst>
+      <p:ext uri="{BB962C8B-B14F-4D97-AF65-F5344CB8AC3E}">
+        <p14:creationId xmlns:p14="http://schemas.microsoft.com/office/powerpoint/2010/main" val="2204260108"/>
+      </p:ext>
+    </p:extLst>
+  </p:cSld>
+  <p:clrMapOvr>
+    <a:masterClrMapping/>
+  </p:clrMapOvr>
+</p:sld>
+</file>
+
+<file path=ppt/slides/slide4.xml><?xml version="1.0" encoding="utf-8"?>
+<p:sld xmlns:a="http://schemas.openxmlformats.org/drawingml/2006/main" xmlns:r="http://schemas.openxmlformats.org/officeDocument/2006/relationships" xmlns:p="http://schemas.openxmlformats.org/presentationml/2006/main">
+  <p:cSld>
+    <p:spTree>
+      <p:nvGrpSpPr>
+        <p:cNvPr id="1" name=""/>
+        <p:cNvGrpSpPr/>
+        <p:nvPr/>
+      </p:nvGrpSpPr>
+      <p:grpSpPr>
+        <a:xfrm>
+          <a:off x="0" y="0"/>
+          <a:ext cx="0" cy="0"/>
+          <a:chOff x="0" y="0"/>
+          <a:chExt cx="0" cy="0"/>
+        </a:xfrm>
+      </p:grpSpPr>
+      <p:sp>
+        <p:nvSpPr>
+          <p:cNvPr id="2" name="標題 1"/>
+          <p:cNvSpPr>
+            <a:spLocks noGrp="1"/>
+          </p:cNvSpPr>
+          <p:nvPr>
+            <p:ph type="ctrTitle"/>
+          </p:nvPr>
+        </p:nvSpPr>
+        <p:spPr>
+          <a:xfrm>
+            <a:off x="0" y="1"/>
+            <a:ext cx="9144000" cy="764704"/>
+          </a:xfrm>
+          <a:gradFill flip="none" rotWithShape="1">
+            <a:gsLst>
+              <a:gs pos="0">
+                <a:srgbClr val="C00000">
+                  <a:shade val="30000"/>
+                  <a:satMod val="115000"/>
+                </a:srgbClr>
+              </a:gs>
+              <a:gs pos="50000">
+                <a:srgbClr val="C00000">
+                  <a:shade val="67500"/>
+                  <a:satMod val="115000"/>
+                </a:srgbClr>
+              </a:gs>
+              <a:gs pos="100000">
+                <a:srgbClr val="C00000">
+                  <a:shade val="100000"/>
+                  <a:satMod val="115000"/>
+                </a:srgbClr>
+              </a:gs>
+            </a:gsLst>
+            <a:path path="circle">
+              <a:fillToRect t="100000" r="100000"/>
+            </a:path>
+            <a:tileRect l="-100000" b="-100000"/>
+          </a:gradFill>
+        </p:spPr>
+        <p:txBody>
+          <a:bodyPr>
+            <a:normAutofit/>
+          </a:bodyPr>
+          <a:lstStyle/>
+          <a:p>
+            <a:pPr algn="l"/>
+            <a:r>
+              <a:rPr lang="en-US" altLang="zh-TW" b="1" dirty="0">
+                <a:solidFill>
+                  <a:srgbClr val="FFFF00"/>
+                </a:solidFill>
+              </a:rPr>
+              <a:t>8 JSX</a:t>
+            </a:r>
+            <a:endParaRPr lang="zh-TW" altLang="en-US" b="1" dirty="0">
+              <a:solidFill>
+                <a:srgbClr val="FFFF00"/>
+              </a:solidFill>
+            </a:endParaRPr>
+          </a:p>
+        </p:txBody>
+      </p:sp>
+      <p:sp>
+        <p:nvSpPr>
+          <p:cNvPr id="3" name="副標題 2"/>
+          <p:cNvSpPr>
+            <a:spLocks noGrp="1"/>
+          </p:cNvSpPr>
+          <p:nvPr>
+            <p:ph type="subTitle" idx="1"/>
+          </p:nvPr>
+        </p:nvSpPr>
+        <p:spPr>
+          <a:xfrm>
+            <a:off x="467544" y="1340766"/>
+            <a:ext cx="8219256" cy="720082"/>
+          </a:xfrm>
+          <a:ln>
+            <a:solidFill>
+              <a:srgbClr val="C00000"/>
+            </a:solidFill>
+          </a:ln>
+        </p:spPr>
+        <p:txBody>
+          <a:bodyPr>
+            <a:noAutofit/>
+          </a:bodyPr>
+          <a:lstStyle/>
+          <a:p>
+            <a:pPr marL="342900" indent="-342900" algn="l">
+              <a:buClr>
+                <a:srgbClr val="0070C0"/>
+              </a:buClr>
+              <a:buSzPct val="80000"/>
+              <a:buFont typeface="Wingdings" pitchFamily="2" charset="2"/>
+              <a:buChar char="u"/>
+            </a:pPr>
+            <a:r>
+              <a:rPr lang="en-US" altLang="zh-TW" sz="1800" b="1" dirty="0">
+                <a:solidFill>
+                  <a:schemeClr val="tx1"/>
+                </a:solidFill>
+                <a:latin typeface="+mj-lt"/>
+              </a:rPr>
+              <a:t>JSX:</a:t>
+            </a:r>
+          </a:p>
+          <a:p>
+            <a:pPr marL="342900" indent="-342900" algn="l">
+              <a:buClr>
+                <a:srgbClr val="0070C0"/>
+              </a:buClr>
+              <a:buSzPct val="80000"/>
+              <a:buFont typeface="Wingdings" pitchFamily="2" charset="2"/>
+              <a:buChar char="u"/>
+            </a:pPr>
+            <a:r>
+              <a:rPr lang="en-US" altLang="zh-TW" sz="1800" b="1" dirty="0">
+                <a:solidFill>
+                  <a:schemeClr val="tx1"/>
+                </a:solidFill>
+                <a:latin typeface="+mj-lt"/>
+              </a:rPr>
+              <a:t>We will create another file component/Hello.js.</a:t>
+            </a:r>
+          </a:p>
+        </p:txBody>
+      </p:sp>
+      <p:sp>
+        <p:nvSpPr>
+          <p:cNvPr id="4" name="標題 1"/>
+          <p:cNvSpPr txBox="1">
+            <a:spLocks/>
+          </p:cNvSpPr>
+          <p:nvPr/>
+        </p:nvSpPr>
+        <p:spPr>
+          <a:xfrm>
+            <a:off x="0" y="764704"/>
+            <a:ext cx="9144000" cy="398616"/>
+          </a:xfrm>
+          <a:prstGeom prst="rect">
+            <a:avLst/>
+          </a:prstGeom>
+          <a:gradFill flip="none" rotWithShape="1">
+            <a:gsLst>
+              <a:gs pos="0">
+                <a:srgbClr val="00B0F0">
+                  <a:shade val="30000"/>
+                  <a:satMod val="115000"/>
+                </a:srgbClr>
+              </a:gs>
+              <a:gs pos="50000">
+                <a:srgbClr val="00B0F0">
+                  <a:shade val="67500"/>
+                  <a:satMod val="115000"/>
+                </a:srgbClr>
+              </a:gs>
+              <a:gs pos="100000">
+                <a:srgbClr val="00B0F0">
+                  <a:shade val="100000"/>
+                  <a:satMod val="115000"/>
+                </a:srgbClr>
+              </a:gs>
+            </a:gsLst>
+            <a:path path="circle">
+              <a:fillToRect t="100000" r="100000"/>
+            </a:path>
+            <a:tileRect l="-100000" b="-100000"/>
+          </a:gradFill>
+        </p:spPr>
+        <p:txBody>
+          <a:bodyPr vert="horz" lIns="91440" tIns="45720" rIns="91440" bIns="45720" rtlCol="0" anchor="ctr">
+            <a:normAutofit/>
+          </a:bodyPr>
+          <a:lstStyle/>
+          <a:p>
+            <a:r>
+              <a:rPr lang="en-US" sz="1600" dirty="0">
+                <a:hlinkClick r:id="rId2"/>
+              </a:rPr>
+              <a:t>https://www.youtube.com/watch?v=7fPXI_MnBOY&amp;list=PLC3y8-rFHvwgg3vaYJgHGnModB54rxOk3&amp;index=8</a:t>
+            </a:r>
+            <a:endParaRPr lang="en-US" altLang="zh-TW" sz="1600" b="1" i="1" dirty="0"/>
+          </a:p>
+        </p:txBody>
+      </p:sp>
+      <p:sp>
+        <p:nvSpPr>
+          <p:cNvPr id="5" name="日期版面配置區 4"/>
+          <p:cNvSpPr>
+            <a:spLocks noGrp="1"/>
+          </p:cNvSpPr>
+          <p:nvPr>
+            <p:ph type="dt" sz="half" idx="10"/>
+          </p:nvPr>
+        </p:nvSpPr>
+        <p:spPr>
+          <a:xfrm>
+            <a:off x="457200" y="6356350"/>
+            <a:ext cx="2133600" cy="404246"/>
+          </a:xfrm>
+        </p:spPr>
+        <p:txBody>
+          <a:bodyPr/>
+          <a:lstStyle/>
+          <a:p>
+            <a:fld id="{A4F910E6-8D00-4BAF-8C48-9688E0B449D3}" type="datetime1">
+              <a:rPr lang="zh-TW" altLang="en-US" smtClean="0"/>
+              <a:pPr/>
+              <a:t>2020/6/28</a:t>
+            </a:fld>
+            <a:endParaRPr lang="zh-TW" altLang="en-US"/>
+          </a:p>
+        </p:txBody>
+      </p:sp>
+      <p:sp>
+        <p:nvSpPr>
+          <p:cNvPr id="6" name="投影片編號版面配置區 5"/>
+          <p:cNvSpPr>
+            <a:spLocks noGrp="1"/>
+          </p:cNvSpPr>
+          <p:nvPr>
+            <p:ph type="sldNum" sz="quarter" idx="12"/>
+          </p:nvPr>
+        </p:nvSpPr>
+        <p:spPr>
+          <a:xfrm>
+            <a:off x="6553200" y="6356350"/>
+            <a:ext cx="2133600" cy="404246"/>
+          </a:xfrm>
+        </p:spPr>
+        <p:txBody>
+          <a:bodyPr/>
+          <a:lstStyle/>
+          <a:p>
+            <a:fld id="{E4D7E63D-91F2-4366-A2C4-1B00C9E2590E}" type="slidenum">
+              <a:rPr lang="zh-TW" altLang="en-US" smtClean="0"/>
+              <a:pPr/>
+              <a:t>4</a:t>
+            </a:fld>
+            <a:endParaRPr lang="zh-TW" altLang="en-US"/>
+          </a:p>
+        </p:txBody>
+      </p:sp>
+      <p:pic>
+        <p:nvPicPr>
+          <p:cNvPr id="7" name="Picture 6">
+            <a:extLst>
+              <a:ext uri="{FF2B5EF4-FFF2-40B4-BE49-F238E27FC236}">
+                <a16:creationId xmlns:a16="http://schemas.microsoft.com/office/drawing/2014/main" id="{B3C988C4-8981-47AE-A704-A21BBFDB2EDB}"/>
+              </a:ext>
+            </a:extLst>
+          </p:cNvPr>
+          <p:cNvPicPr>
+            <a:picLocks noChangeAspect="1"/>
+          </p:cNvPicPr>
+          <p:nvPr/>
+        </p:nvPicPr>
+        <p:blipFill>
+          <a:blip r:embed="rId3"/>
+          <a:stretch>
+            <a:fillRect/>
+          </a:stretch>
+        </p:blipFill>
+        <p:spPr>
+          <a:xfrm>
+            <a:off x="4931026" y="2151770"/>
+            <a:ext cx="3790950" cy="4257675"/>
+          </a:xfrm>
+          <a:prstGeom prst="rect">
+            <a:avLst/>
+          </a:prstGeom>
+          <a:ln>
+            <a:solidFill>
+              <a:srgbClr val="C00000"/>
+            </a:solidFill>
+          </a:ln>
+        </p:spPr>
+      </p:pic>
+      <p:sp>
+        <p:nvSpPr>
+          <p:cNvPr id="8" name="Rectangle 7">
+            <a:extLst>
+              <a:ext uri="{FF2B5EF4-FFF2-40B4-BE49-F238E27FC236}">
+                <a16:creationId xmlns:a16="http://schemas.microsoft.com/office/drawing/2014/main" id="{1A78D928-C4BD-4EA5-AF42-8684320EC00C}"/>
+              </a:ext>
+            </a:extLst>
+          </p:cNvPr>
+          <p:cNvSpPr/>
+          <p:nvPr/>
+        </p:nvSpPr>
+        <p:spPr>
+          <a:xfrm>
+            <a:off x="6011146" y="5017409"/>
+            <a:ext cx="1080120" cy="288034"/>
+          </a:xfrm>
+          <a:prstGeom prst="rect">
+            <a:avLst/>
+          </a:prstGeom>
+          <a:noFill/>
+          <a:ln>
+            <a:solidFill>
+              <a:srgbClr val="C00000"/>
+            </a:solidFill>
+          </a:ln>
+        </p:spPr>
+        <p:style>
+          <a:lnRef idx="2">
+            <a:schemeClr val="accent1">
+              <a:shade val="50000"/>
+            </a:schemeClr>
+          </a:lnRef>
+          <a:fillRef idx="1">
+            <a:schemeClr val="accent1"/>
+          </a:fillRef>
+          <a:effectRef idx="0">
+            <a:schemeClr val="accent1"/>
+          </a:effectRef>
+          <a:fontRef idx="minor">
+            <a:schemeClr val="lt1"/>
+          </a:fontRef>
+        </p:style>
+        <p:txBody>
+          <a:bodyPr rtlCol="0" anchor="ctr"/>
+          <a:lstStyle/>
+          <a:p>
+            <a:pPr algn="ctr"/>
+            <a:endParaRPr lang="en-US"/>
+          </a:p>
+        </p:txBody>
+      </p:sp>
+      <p:sp>
+        <p:nvSpPr>
+          <p:cNvPr id="9" name="副標題 2">
+            <a:extLst>
+              <a:ext uri="{FF2B5EF4-FFF2-40B4-BE49-F238E27FC236}">
+                <a16:creationId xmlns:a16="http://schemas.microsoft.com/office/drawing/2014/main" id="{F87873A6-8BDF-40A0-9FD5-463FE5D99A78}"/>
+              </a:ext>
+            </a:extLst>
+          </p:cNvPr>
+          <p:cNvSpPr txBox="1">
+            <a:spLocks/>
+          </p:cNvSpPr>
+          <p:nvPr/>
+        </p:nvSpPr>
+        <p:spPr>
+          <a:xfrm>
+            <a:off x="482282" y="2158632"/>
+            <a:ext cx="4233734" cy="864098"/>
+          </a:xfrm>
+          <a:prstGeom prst="rect">
+            <a:avLst/>
+          </a:prstGeom>
+          <a:ln>
+            <a:solidFill>
+              <a:srgbClr val="C00000"/>
+            </a:solidFill>
+          </a:ln>
+        </p:spPr>
+        <p:txBody>
+          <a:bodyPr vert="horz" lIns="91440" tIns="45720" rIns="91440" bIns="45720" rtlCol="0">
+            <a:noAutofit/>
+          </a:bodyPr>
+          <a:lstStyle>
+            <a:lvl1pPr marL="0" indent="0" algn="ctr" defTabSz="914400" rtl="0" eaLnBrk="1" latinLnBrk="0" hangingPunct="1">
+              <a:spcBef>
+                <a:spcPct val="20000"/>
+              </a:spcBef>
+              <a:buFont typeface="Arial" pitchFamily="34" charset="0"/>
+              <a:buNone/>
+              <a:defRPr sz="3200" kern="1200">
+                <a:solidFill>
+                  <a:schemeClr val="tx1">
+                    <a:tint val="75000"/>
+                  </a:schemeClr>
+                </a:solidFill>
+                <a:latin typeface="+mn-lt"/>
+                <a:ea typeface="+mn-ea"/>
+                <a:cs typeface="+mn-cs"/>
+              </a:defRPr>
+            </a:lvl1pPr>
+            <a:lvl2pPr marL="457200" indent="0" algn="ctr" defTabSz="914400" rtl="0" eaLnBrk="1" latinLnBrk="0" hangingPunct="1">
+              <a:spcBef>
+                <a:spcPct val="20000"/>
+              </a:spcBef>
+              <a:buFont typeface="Arial" pitchFamily="34" charset="0"/>
+              <a:buNone/>
+              <a:defRPr sz="2800" kern="1200">
+                <a:solidFill>
+                  <a:schemeClr val="tx1">
+                    <a:tint val="75000"/>
+                  </a:schemeClr>
+                </a:solidFill>
+                <a:latin typeface="+mn-lt"/>
+                <a:ea typeface="+mn-ea"/>
+                <a:cs typeface="+mn-cs"/>
+              </a:defRPr>
+            </a:lvl2pPr>
+            <a:lvl3pPr marL="914400" indent="0" algn="ctr" defTabSz="914400" rtl="0" eaLnBrk="1" latinLnBrk="0" hangingPunct="1">
+              <a:spcBef>
+                <a:spcPct val="20000"/>
+              </a:spcBef>
+              <a:buFont typeface="Arial" pitchFamily="34" charset="0"/>
+              <a:buNone/>
+              <a:defRPr sz="2400" kern="1200">
+                <a:solidFill>
+                  <a:schemeClr val="tx1">
+                    <a:tint val="75000"/>
+                  </a:schemeClr>
+                </a:solidFill>
+                <a:latin typeface="+mn-lt"/>
+                <a:ea typeface="+mn-ea"/>
+                <a:cs typeface="+mn-cs"/>
+              </a:defRPr>
+            </a:lvl3pPr>
+            <a:lvl4pPr marL="1371600" indent="0" algn="ctr" defTabSz="914400" rtl="0" eaLnBrk="1" latinLnBrk="0" hangingPunct="1">
+              <a:spcBef>
+                <a:spcPct val="20000"/>
+              </a:spcBef>
+              <a:buFont typeface="Arial" pitchFamily="34" charset="0"/>
+              <a:buNone/>
+              <a:defRPr sz="2000" kern="1200">
+                <a:solidFill>
+                  <a:schemeClr val="tx1">
+                    <a:tint val="75000"/>
+                  </a:schemeClr>
+                </a:solidFill>
+                <a:latin typeface="+mn-lt"/>
+                <a:ea typeface="+mn-ea"/>
+                <a:cs typeface="+mn-cs"/>
+              </a:defRPr>
+            </a:lvl4pPr>
+            <a:lvl5pPr marL="1828800" indent="0" algn="ctr" defTabSz="914400" rtl="0" eaLnBrk="1" latinLnBrk="0" hangingPunct="1">
+              <a:spcBef>
+                <a:spcPct val="20000"/>
+              </a:spcBef>
+              <a:buFont typeface="Arial" pitchFamily="34" charset="0"/>
+              <a:buNone/>
+              <a:defRPr sz="2000" kern="1200">
+                <a:solidFill>
+                  <a:schemeClr val="tx1">
+                    <a:tint val="75000"/>
+                  </a:schemeClr>
+                </a:solidFill>
+                <a:latin typeface="+mn-lt"/>
+                <a:ea typeface="+mn-ea"/>
+                <a:cs typeface="+mn-cs"/>
+              </a:defRPr>
+            </a:lvl5pPr>
+            <a:lvl6pPr marL="2286000" indent="0" algn="ctr" defTabSz="914400" rtl="0" eaLnBrk="1" latinLnBrk="0" hangingPunct="1">
+              <a:spcBef>
+                <a:spcPct val="20000"/>
+              </a:spcBef>
+              <a:buFont typeface="Arial" pitchFamily="34" charset="0"/>
+              <a:buNone/>
+              <a:defRPr sz="2000" kern="1200">
+                <a:solidFill>
+                  <a:schemeClr val="tx1">
+                    <a:tint val="75000"/>
+                  </a:schemeClr>
+                </a:solidFill>
+                <a:latin typeface="+mn-lt"/>
+                <a:ea typeface="+mn-ea"/>
+                <a:cs typeface="+mn-cs"/>
+              </a:defRPr>
+            </a:lvl6pPr>
+            <a:lvl7pPr marL="2743200" indent="0" algn="ctr" defTabSz="914400" rtl="0" eaLnBrk="1" latinLnBrk="0" hangingPunct="1">
+              <a:spcBef>
+                <a:spcPct val="20000"/>
+              </a:spcBef>
+              <a:buFont typeface="Arial" pitchFamily="34" charset="0"/>
+              <a:buNone/>
+              <a:defRPr sz="2000" kern="1200">
+                <a:solidFill>
+                  <a:schemeClr val="tx1">
+                    <a:tint val="75000"/>
+                  </a:schemeClr>
+                </a:solidFill>
+                <a:latin typeface="+mn-lt"/>
+                <a:ea typeface="+mn-ea"/>
+                <a:cs typeface="+mn-cs"/>
+              </a:defRPr>
+            </a:lvl7pPr>
+            <a:lvl8pPr marL="3200400" indent="0" algn="ctr" defTabSz="914400" rtl="0" eaLnBrk="1" latinLnBrk="0" hangingPunct="1">
+              <a:spcBef>
+                <a:spcPct val="20000"/>
+              </a:spcBef>
+              <a:buFont typeface="Arial" pitchFamily="34" charset="0"/>
+              <a:buNone/>
+              <a:defRPr sz="2000" kern="1200">
+                <a:solidFill>
+                  <a:schemeClr val="tx1">
+                    <a:tint val="75000"/>
+                  </a:schemeClr>
+                </a:solidFill>
+                <a:latin typeface="+mn-lt"/>
+                <a:ea typeface="+mn-ea"/>
+                <a:cs typeface="+mn-cs"/>
+              </a:defRPr>
+            </a:lvl8pPr>
+            <a:lvl9pPr marL="3657600" indent="0" algn="ctr" defTabSz="914400" rtl="0" eaLnBrk="1" latinLnBrk="0" hangingPunct="1">
+              <a:spcBef>
+                <a:spcPct val="20000"/>
+              </a:spcBef>
+              <a:buFont typeface="Arial" pitchFamily="34" charset="0"/>
+              <a:buNone/>
+              <a:defRPr sz="2000" kern="1200">
+                <a:solidFill>
+                  <a:schemeClr val="tx1">
+                    <a:tint val="75000"/>
+                  </a:schemeClr>
+                </a:solidFill>
+                <a:latin typeface="+mn-lt"/>
+                <a:ea typeface="+mn-ea"/>
+                <a:cs typeface="+mn-cs"/>
+              </a:defRPr>
+            </a:lvl9pPr>
+          </a:lstStyle>
+          <a:p>
+            <a:pPr marL="342900" indent="-342900" algn="l">
+              <a:buClr>
+                <a:srgbClr val="0070C0"/>
+              </a:buClr>
+              <a:buSzPct val="80000"/>
+              <a:buFont typeface="Wingdings" pitchFamily="2" charset="2"/>
+              <a:buChar char="u"/>
+            </a:pPr>
+            <a:r>
+              <a:rPr lang="en-US" altLang="zh-TW" sz="1800" b="1" dirty="0">
+                <a:solidFill>
+                  <a:schemeClr val="tx1"/>
+                </a:solidFill>
+                <a:latin typeface="+mj-lt"/>
+              </a:rPr>
+              <a:t>Hello.js is a simple functional component that render “Hello Peter” in the browser.</a:t>
+            </a:r>
+          </a:p>
+        </p:txBody>
+      </p:sp>
+    </p:spTree>
+    <p:extLst>
+      <p:ext uri="{BB962C8B-B14F-4D97-AF65-F5344CB8AC3E}">
+        <p14:creationId xmlns:p14="http://schemas.microsoft.com/office/powerpoint/2010/main" val="2629076343"/>
+      </p:ext>
+    </p:extLst>
+  </p:cSld>
+  <p:clrMapOvr>
+    <a:masterClrMapping/>
+  </p:clrMapOvr>
+</p:sld>
+</file>
+
+<file path=ppt/slides/slide5.xml><?xml version="1.0" encoding="utf-8"?>
+<p:sld xmlns:a="http://schemas.openxmlformats.org/drawingml/2006/main" xmlns:r="http://schemas.openxmlformats.org/officeDocument/2006/relationships" xmlns:p="http://schemas.openxmlformats.org/presentationml/2006/main">
+  <p:cSld>
+    <p:spTree>
+      <p:nvGrpSpPr>
+        <p:cNvPr id="1" name=""/>
+        <p:cNvGrpSpPr/>
+        <p:nvPr/>
+      </p:nvGrpSpPr>
+      <p:grpSpPr>
+        <a:xfrm>
+          <a:off x="0" y="0"/>
+          <a:ext cx="0" cy="0"/>
+          <a:chOff x="0" y="0"/>
+          <a:chExt cx="0" cy="0"/>
+        </a:xfrm>
+      </p:grpSpPr>
+      <p:sp>
+        <p:nvSpPr>
+          <p:cNvPr id="2" name="標題 1"/>
+          <p:cNvSpPr>
+            <a:spLocks noGrp="1"/>
+          </p:cNvSpPr>
+          <p:nvPr>
+            <p:ph type="ctrTitle"/>
+          </p:nvPr>
+        </p:nvSpPr>
+        <p:spPr>
+          <a:xfrm>
+            <a:off x="0" y="2130425"/>
+            <a:ext cx="9144000" cy="1470025"/>
+          </a:xfrm>
+          <a:solidFill>
+            <a:srgbClr val="00B0F0"/>
+          </a:solidFill>
+        </p:spPr>
+        <p:txBody>
+          <a:bodyPr>
+            <a:normAutofit/>
+          </a:bodyPr>
+          <a:lstStyle/>
+          <a:p>
+            <a:r>
+              <a:rPr lang="en-US" altLang="zh-TW" sz="4800" b="1" dirty="0">
+                <a:solidFill>
+                  <a:srgbClr val="FFFF00"/>
+                </a:solidFill>
+              </a:rPr>
+              <a:t>8.1 With JSX</a:t>
+            </a:r>
+            <a:endParaRPr lang="zh-TW" altLang="en-US" sz="4800" b="1" dirty="0">
+              <a:solidFill>
+                <a:srgbClr val="FFFF00"/>
+              </a:solidFill>
+            </a:endParaRPr>
+          </a:p>
+        </p:txBody>
+      </p:sp>
+      <p:sp>
+        <p:nvSpPr>
+          <p:cNvPr id="5" name="日期版面配置區 4"/>
+          <p:cNvSpPr>
+            <a:spLocks noGrp="1"/>
+          </p:cNvSpPr>
+          <p:nvPr>
+            <p:ph type="dt" sz="half" idx="10"/>
+          </p:nvPr>
+        </p:nvSpPr>
+        <p:spPr/>
+        <p:txBody>
+          <a:bodyPr/>
+          <a:lstStyle/>
+          <a:p>
+            <a:fld id="{C389EDC9-19E3-47AC-9C57-C6A24DEA81AD}" type="datetime1">
+              <a:rPr lang="zh-TW" altLang="en-US" smtClean="0"/>
+              <a:pPr/>
+              <a:t>2020/6/28</a:t>
+            </a:fld>
+            <a:endParaRPr lang="zh-TW" altLang="en-US"/>
+          </a:p>
+        </p:txBody>
+      </p:sp>
+      <p:sp>
+        <p:nvSpPr>
+          <p:cNvPr id="6" name="投影片編號版面配置區 5"/>
+          <p:cNvSpPr>
+            <a:spLocks noGrp="1"/>
+          </p:cNvSpPr>
+          <p:nvPr>
+            <p:ph type="sldNum" sz="quarter" idx="12"/>
+          </p:nvPr>
+        </p:nvSpPr>
+        <p:spPr/>
+        <p:txBody>
+          <a:bodyPr/>
+          <a:lstStyle/>
+          <a:p>
+            <a:fld id="{E4D7E63D-91F2-4366-A2C4-1B00C9E2590E}" type="slidenum">
+              <a:rPr lang="zh-TW" altLang="en-US" smtClean="0"/>
+              <a:pPr/>
+              <a:t>5</a:t>
+            </a:fld>
+            <a:endParaRPr lang="zh-TW" altLang="en-US"/>
+          </a:p>
+        </p:txBody>
+      </p:sp>
+      <p:pic>
+        <p:nvPicPr>
+          <p:cNvPr id="2050" name="Picture 2"/>
+          <p:cNvPicPr>
+            <a:picLocks noChangeAspect="1" noChangeArrowheads="1"/>
+          </p:cNvPicPr>
+          <p:nvPr/>
+        </p:nvPicPr>
+        <p:blipFill>
+          <a:blip r:embed="rId2" cstate="print"/>
+          <a:srcRect/>
+          <a:stretch>
+            <a:fillRect/>
+          </a:stretch>
+        </p:blipFill>
+        <p:spPr bwMode="auto">
+          <a:xfrm>
+            <a:off x="4283968" y="3717032"/>
+            <a:ext cx="713805" cy="644588"/>
+          </a:xfrm>
+          <a:prstGeom prst="rect">
+            <a:avLst/>
+          </a:prstGeom>
+          <a:noFill/>
+          <a:ln w="9525">
+            <a:noFill/>
+            <a:miter lim="800000"/>
+            <a:headEnd/>
+            <a:tailEnd/>
+          </a:ln>
+        </p:spPr>
+      </p:pic>
+    </p:spTree>
+    <p:extLst>
+      <p:ext uri="{BB962C8B-B14F-4D97-AF65-F5344CB8AC3E}">
+        <p14:creationId xmlns:p14="http://schemas.microsoft.com/office/powerpoint/2010/main" val="2220743888"/>
+      </p:ext>
+    </p:extLst>
+  </p:cSld>
+  <p:clrMapOvr>
+    <a:masterClrMapping/>
+  </p:clrMapOvr>
+</p:sld>
+</file>
+
+<file path=ppt/slides/slide6.xml><?xml version="1.0" encoding="utf-8"?>
+<p:sld xmlns:a="http://schemas.openxmlformats.org/drawingml/2006/main" xmlns:r="http://schemas.openxmlformats.org/officeDocument/2006/relationships" xmlns:p="http://schemas.openxmlformats.org/presentationml/2006/main">
+  <p:cSld>
+    <p:spTree>
+      <p:nvGrpSpPr>
+        <p:cNvPr id="1" name=""/>
+        <p:cNvGrpSpPr/>
+        <p:nvPr/>
+      </p:nvGrpSpPr>
+      <p:grpSpPr>
+        <a:xfrm>
+          <a:off x="0" y="0"/>
+          <a:ext cx="0" cy="0"/>
+          <a:chOff x="0" y="0"/>
+          <a:chExt cx="0" cy="0"/>
+        </a:xfrm>
+      </p:grpSpPr>
+      <p:sp>
+        <p:nvSpPr>
+          <p:cNvPr id="2" name="標題 1"/>
+          <p:cNvSpPr>
+            <a:spLocks noGrp="1"/>
+          </p:cNvSpPr>
+          <p:nvPr>
+            <p:ph type="ctrTitle"/>
+          </p:nvPr>
+        </p:nvSpPr>
+        <p:spPr>
+          <a:xfrm>
+            <a:off x="0" y="1"/>
+            <a:ext cx="9144000" cy="764704"/>
+          </a:xfrm>
+          <a:gradFill flip="none" rotWithShape="1">
+            <a:gsLst>
+              <a:gs pos="0">
+                <a:srgbClr val="C00000">
+                  <a:shade val="30000"/>
+                  <a:satMod val="115000"/>
+                </a:srgbClr>
+              </a:gs>
+              <a:gs pos="50000">
+                <a:srgbClr val="C00000">
+                  <a:shade val="67500"/>
+                  <a:satMod val="115000"/>
+                </a:srgbClr>
+              </a:gs>
+              <a:gs pos="100000">
+                <a:srgbClr val="C00000">
+                  <a:shade val="100000"/>
+                  <a:satMod val="115000"/>
+                </a:srgbClr>
+              </a:gs>
+            </a:gsLst>
+            <a:path path="circle">
+              <a:fillToRect t="100000" r="100000"/>
+            </a:path>
+            <a:tileRect l="-100000" b="-100000"/>
+          </a:gradFill>
+        </p:spPr>
+        <p:txBody>
+          <a:bodyPr>
+            <a:normAutofit/>
+          </a:bodyPr>
+          <a:lstStyle/>
+          <a:p>
+            <a:pPr algn="l"/>
+            <a:r>
+              <a:rPr lang="en-US" altLang="zh-TW" sz="4400" b="1" dirty="0">
+                <a:solidFill>
+                  <a:srgbClr val="FFFF00"/>
+                </a:solidFill>
+              </a:rPr>
+              <a:t>8.1 With JSX</a:t>
+            </a:r>
+            <a:endParaRPr lang="zh-TW" altLang="en-US" b="1" dirty="0">
+              <a:solidFill>
+                <a:srgbClr val="FFFF00"/>
+              </a:solidFill>
+            </a:endParaRPr>
+          </a:p>
+        </p:txBody>
+      </p:sp>
+      <p:sp>
+        <p:nvSpPr>
+          <p:cNvPr id="3" name="副標題 2"/>
+          <p:cNvSpPr>
+            <a:spLocks noGrp="1"/>
+          </p:cNvSpPr>
+          <p:nvPr>
+            <p:ph type="subTitle" idx="1"/>
+          </p:nvPr>
+        </p:nvSpPr>
+        <p:spPr>
+          <a:xfrm>
+            <a:off x="467544" y="1340765"/>
+            <a:ext cx="8219256" cy="864099"/>
+          </a:xfrm>
+          <a:ln>
+            <a:solidFill>
+              <a:srgbClr val="C00000"/>
+            </a:solidFill>
+          </a:ln>
+        </p:spPr>
+        <p:txBody>
+          <a:bodyPr>
+            <a:noAutofit/>
+          </a:bodyPr>
+          <a:lstStyle/>
+          <a:p>
+            <a:pPr marL="342900" indent="-342900" algn="l">
+              <a:buClr>
+                <a:srgbClr val="0070C0"/>
+              </a:buClr>
+              <a:buSzPct val="80000"/>
+              <a:buFont typeface="Wingdings" pitchFamily="2" charset="2"/>
+              <a:buChar char="u"/>
+            </a:pPr>
+            <a:r>
+              <a:rPr lang="en-US" altLang="zh-TW" sz="1800" b="1" dirty="0">
+                <a:solidFill>
+                  <a:schemeClr val="tx1"/>
+                </a:solidFill>
+                <a:latin typeface="+mj-lt"/>
+              </a:rPr>
+              <a:t>JSX:</a:t>
+            </a:r>
+          </a:p>
+          <a:p>
+            <a:pPr marL="342900" indent="-342900" algn="l">
+              <a:buClr>
+                <a:srgbClr val="0070C0"/>
+              </a:buClr>
+              <a:buSzPct val="80000"/>
+              <a:buFont typeface="Wingdings" pitchFamily="2" charset="2"/>
+              <a:buChar char="u"/>
+            </a:pPr>
+            <a:r>
+              <a:rPr lang="en-US" altLang="zh-TW" sz="1800" b="1" dirty="0">
+                <a:solidFill>
+                  <a:schemeClr val="tx1"/>
+                </a:solidFill>
+                <a:latin typeface="+mj-lt"/>
+              </a:rPr>
+              <a:t>With JSX, it is very simple, just put the &lt;div&gt; … &lt;/div&gt;</a:t>
+            </a:r>
+          </a:p>
+        </p:txBody>
+      </p:sp>
+      <p:sp>
+        <p:nvSpPr>
+          <p:cNvPr id="4" name="標題 1"/>
+          <p:cNvSpPr txBox="1">
+            <a:spLocks/>
+          </p:cNvSpPr>
+          <p:nvPr/>
+        </p:nvSpPr>
+        <p:spPr>
+          <a:xfrm>
+            <a:off x="0" y="764704"/>
+            <a:ext cx="9144000" cy="398616"/>
+          </a:xfrm>
+          <a:prstGeom prst="rect">
+            <a:avLst/>
+          </a:prstGeom>
+          <a:gradFill flip="none" rotWithShape="1">
+            <a:gsLst>
+              <a:gs pos="0">
+                <a:srgbClr val="00B0F0">
+                  <a:shade val="30000"/>
+                  <a:satMod val="115000"/>
+                </a:srgbClr>
+              </a:gs>
+              <a:gs pos="50000">
+                <a:srgbClr val="00B0F0">
+                  <a:shade val="67500"/>
+                  <a:satMod val="115000"/>
+                </a:srgbClr>
+              </a:gs>
+              <a:gs pos="100000">
+                <a:srgbClr val="00B0F0">
+                  <a:shade val="100000"/>
+                  <a:satMod val="115000"/>
+                </a:srgbClr>
+              </a:gs>
+            </a:gsLst>
+            <a:path path="circle">
+              <a:fillToRect t="100000" r="100000"/>
+            </a:path>
+            <a:tileRect l="-100000" b="-100000"/>
+          </a:gradFill>
+        </p:spPr>
+        <p:txBody>
+          <a:bodyPr vert="horz" lIns="91440" tIns="45720" rIns="91440" bIns="45720" rtlCol="0" anchor="ctr">
+            <a:normAutofit/>
+          </a:bodyPr>
+          <a:lstStyle/>
+          <a:p>
+            <a:r>
+              <a:rPr lang="en-US" sz="1600" dirty="0">
+                <a:hlinkClick r:id="rId2"/>
+              </a:rPr>
+              <a:t>https://www.youtube.com/watch?v=7fPXI_MnBOY&amp;list=PLC3y8-rFHvwgg3vaYJgHGnModB54rxOk3&amp;index=8</a:t>
+            </a:r>
+            <a:endParaRPr lang="en-US" altLang="zh-TW" sz="1600" b="1" i="1" dirty="0"/>
+          </a:p>
+        </p:txBody>
+      </p:sp>
+      <p:sp>
+        <p:nvSpPr>
+          <p:cNvPr id="5" name="日期版面配置區 4"/>
+          <p:cNvSpPr>
+            <a:spLocks noGrp="1"/>
+          </p:cNvSpPr>
+          <p:nvPr>
+            <p:ph type="dt" sz="half" idx="10"/>
+          </p:nvPr>
+        </p:nvSpPr>
+        <p:spPr>
+          <a:xfrm>
+            <a:off x="457200" y="6356350"/>
+            <a:ext cx="2133600" cy="404246"/>
+          </a:xfrm>
+        </p:spPr>
+        <p:txBody>
+          <a:bodyPr/>
+          <a:lstStyle/>
+          <a:p>
+            <a:fld id="{A4F910E6-8D00-4BAF-8C48-9688E0B449D3}" type="datetime1">
+              <a:rPr lang="zh-TW" altLang="en-US" smtClean="0"/>
+              <a:pPr/>
+              <a:t>2020/6/28</a:t>
+            </a:fld>
+            <a:endParaRPr lang="zh-TW" altLang="en-US"/>
+          </a:p>
+        </p:txBody>
+      </p:sp>
+      <p:sp>
+        <p:nvSpPr>
+          <p:cNvPr id="6" name="投影片編號版面配置區 5"/>
+          <p:cNvSpPr>
+            <a:spLocks noGrp="1"/>
+          </p:cNvSpPr>
+          <p:nvPr>
+            <p:ph type="sldNum" sz="quarter" idx="12"/>
+          </p:nvPr>
+        </p:nvSpPr>
+        <p:spPr>
+          <a:xfrm>
+            <a:off x="6553200" y="6356350"/>
+            <a:ext cx="2133600" cy="404246"/>
+          </a:xfrm>
+        </p:spPr>
+        <p:txBody>
+          <a:bodyPr/>
+          <a:lstStyle/>
+          <a:p>
+            <a:fld id="{E4D7E63D-91F2-4366-A2C4-1B00C9E2590E}" type="slidenum">
+              <a:rPr lang="zh-TW" altLang="en-US" smtClean="0"/>
+              <a:pPr/>
+              <a:t>6</a:t>
+            </a:fld>
+            <a:endParaRPr lang="zh-TW" altLang="en-US"/>
+          </a:p>
+        </p:txBody>
+      </p:sp>
+      <p:pic>
+        <p:nvPicPr>
+          <p:cNvPr id="9" name="Picture 8">
+            <a:extLst>
+              <a:ext uri="{FF2B5EF4-FFF2-40B4-BE49-F238E27FC236}">
+                <a16:creationId xmlns:a16="http://schemas.microsoft.com/office/drawing/2014/main" id="{80B5BA05-D703-442B-B08D-346E1E908F40}"/>
+              </a:ext>
+            </a:extLst>
+          </p:cNvPr>
+          <p:cNvPicPr>
+            <a:picLocks noChangeAspect="1"/>
+          </p:cNvPicPr>
+          <p:nvPr/>
+        </p:nvPicPr>
+        <p:blipFill>
+          <a:blip r:embed="rId3"/>
+          <a:stretch>
+            <a:fillRect/>
+          </a:stretch>
+        </p:blipFill>
+        <p:spPr>
+          <a:xfrm>
+            <a:off x="612240" y="2667320"/>
+            <a:ext cx="3881754" cy="2774709"/>
+          </a:xfrm>
+          <a:prstGeom prst="rect">
+            <a:avLst/>
+          </a:prstGeom>
+          <a:ln>
+            <a:solidFill>
+              <a:srgbClr val="C00000"/>
+            </a:solidFill>
+          </a:ln>
+        </p:spPr>
+      </p:pic>
+      <p:pic>
+        <p:nvPicPr>
+          <p:cNvPr id="10" name="Picture 9">
+            <a:extLst>
+              <a:ext uri="{FF2B5EF4-FFF2-40B4-BE49-F238E27FC236}">
+                <a16:creationId xmlns:a16="http://schemas.microsoft.com/office/drawing/2014/main" id="{5052B0F7-0877-461B-9AC0-1E13B0D9511D}"/>
+              </a:ext>
+            </a:extLst>
+          </p:cNvPr>
+          <p:cNvPicPr>
+            <a:picLocks noChangeAspect="1"/>
+          </p:cNvPicPr>
+          <p:nvPr/>
+        </p:nvPicPr>
+        <p:blipFill>
+          <a:blip r:embed="rId4"/>
+          <a:stretch>
+            <a:fillRect/>
+          </a:stretch>
+        </p:blipFill>
+        <p:spPr>
+          <a:xfrm>
+            <a:off x="4556606" y="2667320"/>
+            <a:ext cx="3993188" cy="2248871"/>
+          </a:xfrm>
+          <a:prstGeom prst="rect">
+            <a:avLst/>
+          </a:prstGeom>
+          <a:ln>
+            <a:solidFill>
+              <a:srgbClr val="C00000"/>
+            </a:solidFill>
+          </a:ln>
+        </p:spPr>
+      </p:pic>
+      <p:sp>
+        <p:nvSpPr>
+          <p:cNvPr id="7" name="Rectangle 6">
+            <a:extLst>
+              <a:ext uri="{FF2B5EF4-FFF2-40B4-BE49-F238E27FC236}">
+                <a16:creationId xmlns:a16="http://schemas.microsoft.com/office/drawing/2014/main" id="{F7831774-1E7D-4D67-BDA7-6845B08BD026}"/>
+              </a:ext>
+            </a:extLst>
+          </p:cNvPr>
+          <p:cNvSpPr/>
+          <p:nvPr/>
+        </p:nvSpPr>
+        <p:spPr>
+          <a:xfrm>
+            <a:off x="1172230" y="3459581"/>
+            <a:ext cx="2448272" cy="720080"/>
+          </a:xfrm>
+          <a:prstGeom prst="rect">
+            <a:avLst/>
+          </a:prstGeom>
+          <a:noFill/>
+          <a:ln>
+            <a:solidFill>
+              <a:srgbClr val="C00000"/>
+            </a:solidFill>
+          </a:ln>
+        </p:spPr>
+        <p:style>
+          <a:lnRef idx="2">
+            <a:schemeClr val="accent1">
+              <a:shade val="50000"/>
+            </a:schemeClr>
+          </a:lnRef>
+          <a:fillRef idx="1">
+            <a:schemeClr val="accent1"/>
+          </a:fillRef>
+          <a:effectRef idx="0">
+            <a:schemeClr val="accent1"/>
+          </a:effectRef>
+          <a:fontRef idx="minor">
+            <a:schemeClr val="lt1"/>
+          </a:fontRef>
+        </p:style>
+        <p:txBody>
+          <a:bodyPr rtlCol="0" anchor="ctr"/>
+          <a:lstStyle/>
+          <a:p>
+            <a:pPr algn="ctr"/>
+            <a:endParaRPr lang="en-US"/>
+          </a:p>
+        </p:txBody>
+      </p:sp>
+    </p:spTree>
+    <p:extLst>
+      <p:ext uri="{BB962C8B-B14F-4D97-AF65-F5344CB8AC3E}">
+        <p14:creationId xmlns:p14="http://schemas.microsoft.com/office/powerpoint/2010/main" val="3296049937"/>
+      </p:ext>
+    </p:extLst>
+  </p:cSld>
+  <p:clrMapOvr>
+    <a:masterClrMapping/>
+  </p:clrMapOvr>
+</p:sld>
+</file>
+
+<file path=ppt/slides/slide7.xml><?xml version="1.0" encoding="utf-8"?>
+<p:sld xmlns:a="http://schemas.openxmlformats.org/drawingml/2006/main" xmlns:r="http://schemas.openxmlformats.org/officeDocument/2006/relationships" xmlns:p="http://schemas.openxmlformats.org/presentationml/2006/main">
+  <p:cSld>
+    <p:spTree>
+      <p:nvGrpSpPr>
+        <p:cNvPr id="1" name=""/>
+        <p:cNvGrpSpPr/>
+        <p:nvPr/>
+      </p:nvGrpSpPr>
+      <p:grpSpPr>
+        <a:xfrm>
+          <a:off x="0" y="0"/>
+          <a:ext cx="0" cy="0"/>
+          <a:chOff x="0" y="0"/>
+          <a:chExt cx="0" cy="0"/>
+        </a:xfrm>
+      </p:grpSpPr>
+      <p:sp>
+        <p:nvSpPr>
+          <p:cNvPr id="2" name="標題 1"/>
+          <p:cNvSpPr>
+            <a:spLocks noGrp="1"/>
+          </p:cNvSpPr>
+          <p:nvPr>
+            <p:ph type="ctrTitle"/>
+          </p:nvPr>
+        </p:nvSpPr>
+        <p:spPr>
+          <a:xfrm>
+            <a:off x="0" y="2130425"/>
+            <a:ext cx="9144000" cy="1470025"/>
+          </a:xfrm>
+          <a:solidFill>
+            <a:srgbClr val="00B0F0"/>
+          </a:solidFill>
+        </p:spPr>
+        <p:txBody>
+          <a:bodyPr>
+            <a:normAutofit/>
+          </a:bodyPr>
+          <a:lstStyle/>
+          <a:p>
+            <a:r>
+              <a:rPr lang="en-US" altLang="zh-TW" sz="4800" b="1" dirty="0">
+                <a:solidFill>
+                  <a:srgbClr val="FFFF00"/>
+                </a:solidFill>
+              </a:rPr>
+              <a:t>8.2 Without JSX</a:t>
+            </a:r>
+            <a:endParaRPr lang="zh-TW" altLang="en-US" sz="4800" b="1" dirty="0">
+              <a:solidFill>
+                <a:srgbClr val="FFFF00"/>
+              </a:solidFill>
+            </a:endParaRPr>
+          </a:p>
+        </p:txBody>
+      </p:sp>
+      <p:sp>
+        <p:nvSpPr>
+          <p:cNvPr id="5" name="日期版面配置區 4"/>
+          <p:cNvSpPr>
+            <a:spLocks noGrp="1"/>
+          </p:cNvSpPr>
+          <p:nvPr>
+            <p:ph type="dt" sz="half" idx="10"/>
+          </p:nvPr>
+        </p:nvSpPr>
+        <p:spPr/>
+        <p:txBody>
+          <a:bodyPr/>
+          <a:lstStyle/>
+          <a:p>
+            <a:fld id="{C389EDC9-19E3-47AC-9C57-C6A24DEA81AD}" type="datetime1">
+              <a:rPr lang="zh-TW" altLang="en-US" smtClean="0"/>
+              <a:pPr/>
+              <a:t>2020/6/28</a:t>
+            </a:fld>
+            <a:endParaRPr lang="zh-TW" altLang="en-US"/>
+          </a:p>
+        </p:txBody>
+      </p:sp>
+      <p:sp>
+        <p:nvSpPr>
+          <p:cNvPr id="6" name="投影片編號版面配置區 5"/>
+          <p:cNvSpPr>
+            <a:spLocks noGrp="1"/>
+          </p:cNvSpPr>
+          <p:nvPr>
+            <p:ph type="sldNum" sz="quarter" idx="12"/>
+          </p:nvPr>
+        </p:nvSpPr>
+        <p:spPr/>
         <p:txBody>
           <a:bodyPr/>
           <a:lstStyle/>
@@ -6202,10 +8619,42 @@
           </a:p>
         </p:txBody>
       </p:sp>
+      <p:pic>
+        <p:nvPicPr>
+          <p:cNvPr id="2050" name="Picture 2"/>
+          <p:cNvPicPr>
+            <a:picLocks noChangeAspect="1" noChangeArrowheads="1"/>
+          </p:cNvPicPr>
+          <p:nvPr/>
+        </p:nvPicPr>
+        <p:blipFill>
+          <a:blip r:embed="rId2" cstate="print"/>
+          <a:srcRect/>
+          <a:stretch>
+            <a:fillRect/>
+          </a:stretch>
+        </p:blipFill>
+        <p:spPr bwMode="auto">
+          <a:xfrm>
+            <a:off x="4283968" y="3717032"/>
+            <a:ext cx="713805" cy="644588"/>
+          </a:xfrm>
+          <a:prstGeom prst="rect">
+            <a:avLst/>
+          </a:prstGeom>
+          <a:noFill/>
+          <a:ln w="9525">
+            <a:noFill/>
+            <a:miter lim="800000"/>
+            <a:headEnd/>
+            <a:tailEnd/>
+          </a:ln>
+        </p:spPr>
+      </p:pic>
     </p:spTree>
     <p:extLst>
       <p:ext uri="{BB962C8B-B14F-4D97-AF65-F5344CB8AC3E}">
-        <p14:creationId xmlns:p14="http://schemas.microsoft.com/office/powerpoint/2010/main" val="2093760118"/>
+        <p14:creationId xmlns:p14="http://schemas.microsoft.com/office/powerpoint/2010/main" val="1571429520"/>
       </p:ext>
     </p:extLst>
   </p:cSld>
@@ -6244,9 +8693,288 @@
         </p:nvSpPr>
         <p:spPr>
           <a:xfrm>
-            <a:off x="0" y="2130425"/>
-            <a:ext cx="9144000" cy="1470025"/>
-          </a:xfrm>
+            <a:off x="0" y="1"/>
+            <a:ext cx="9144000" cy="764704"/>
+          </a:xfrm>
+          <a:gradFill flip="none" rotWithShape="1">
+            <a:gsLst>
+              <a:gs pos="0">
+                <a:srgbClr val="C00000">
+                  <a:shade val="30000"/>
+                  <a:satMod val="115000"/>
+                </a:srgbClr>
+              </a:gs>
+              <a:gs pos="50000">
+                <a:srgbClr val="C00000">
+                  <a:shade val="67500"/>
+                  <a:satMod val="115000"/>
+                </a:srgbClr>
+              </a:gs>
+              <a:gs pos="100000">
+                <a:srgbClr val="C00000">
+                  <a:shade val="100000"/>
+                  <a:satMod val="115000"/>
+                </a:srgbClr>
+              </a:gs>
+            </a:gsLst>
+            <a:path path="circle">
+              <a:fillToRect t="100000" r="100000"/>
+            </a:path>
+            <a:tileRect l="-100000" b="-100000"/>
+          </a:gradFill>
+        </p:spPr>
+        <p:txBody>
+          <a:bodyPr>
+            <a:normAutofit/>
+          </a:bodyPr>
+          <a:lstStyle/>
+          <a:p>
+            <a:pPr algn="l"/>
+            <a:r>
+              <a:rPr lang="en-US" altLang="zh-TW" sz="4400" b="1" dirty="0">
+                <a:solidFill>
+                  <a:srgbClr val="FFFF00"/>
+                </a:solidFill>
+              </a:rPr>
+              <a:t>8.2 Without JSX</a:t>
+            </a:r>
+            <a:endParaRPr lang="zh-TW" altLang="en-US" b="1" dirty="0">
+              <a:solidFill>
+                <a:srgbClr val="FFFF00"/>
+              </a:solidFill>
+            </a:endParaRPr>
+          </a:p>
+        </p:txBody>
+      </p:sp>
+      <p:sp>
+        <p:nvSpPr>
+          <p:cNvPr id="3" name="副標題 2"/>
+          <p:cNvSpPr>
+            <a:spLocks noGrp="1"/>
+          </p:cNvSpPr>
+          <p:nvPr>
+            <p:ph type="subTitle" idx="1"/>
+          </p:nvPr>
+        </p:nvSpPr>
+        <p:spPr>
+          <a:xfrm>
+            <a:off x="467544" y="1340765"/>
+            <a:ext cx="8219256" cy="2198649"/>
+          </a:xfrm>
+          <a:ln>
+            <a:solidFill>
+              <a:srgbClr val="C00000"/>
+            </a:solidFill>
+          </a:ln>
+        </p:spPr>
+        <p:txBody>
+          <a:bodyPr>
+            <a:noAutofit/>
+          </a:bodyPr>
+          <a:lstStyle/>
+          <a:p>
+            <a:pPr marL="342900" indent="-342900" algn="l">
+              <a:buClr>
+                <a:srgbClr val="0070C0"/>
+              </a:buClr>
+              <a:buSzPct val="80000"/>
+              <a:buFont typeface="Wingdings" pitchFamily="2" charset="2"/>
+              <a:buChar char="u"/>
+            </a:pPr>
+            <a:r>
+              <a:rPr lang="en-US" altLang="zh-TW" sz="1800" b="1" dirty="0">
+                <a:solidFill>
+                  <a:schemeClr val="tx1"/>
+                </a:solidFill>
+                <a:latin typeface="+mj-lt"/>
+              </a:rPr>
+              <a:t>Without JSX, we need to create all the elements by the </a:t>
+            </a:r>
+            <a:r>
+              <a:rPr lang="en-US" altLang="zh-TW" sz="1800" b="1" dirty="0" err="1">
+                <a:solidFill>
+                  <a:schemeClr val="tx1"/>
+                </a:solidFill>
+                <a:latin typeface="+mj-lt"/>
+              </a:rPr>
+              <a:t>React.createElement</a:t>
+            </a:r>
+            <a:r>
+              <a:rPr lang="en-US" altLang="zh-TW" sz="1800" b="1" dirty="0">
+                <a:solidFill>
+                  <a:schemeClr val="tx1"/>
+                </a:solidFill>
+                <a:latin typeface="+mj-lt"/>
+              </a:rPr>
+              <a:t>:</a:t>
+            </a:r>
+          </a:p>
+          <a:p>
+            <a:pPr marL="342900" indent="-342900" algn="l">
+              <a:buClr>
+                <a:srgbClr val="0070C0"/>
+              </a:buClr>
+              <a:buSzPct val="80000"/>
+              <a:buFont typeface="Wingdings" pitchFamily="2" charset="2"/>
+              <a:buChar char="u"/>
+            </a:pPr>
+            <a:r>
+              <a:rPr lang="en-US" altLang="zh-TW" sz="1800" b="1" dirty="0">
+                <a:solidFill>
+                  <a:schemeClr val="tx1"/>
+                </a:solidFill>
+                <a:latin typeface="+mj-lt"/>
+              </a:rPr>
+              <a:t>React Library can create element </a:t>
+            </a:r>
+            <a:r>
+              <a:rPr lang="en-US" altLang="zh-TW" sz="1800" b="1" dirty="0" err="1">
+                <a:solidFill>
+                  <a:schemeClr val="tx1"/>
+                </a:solidFill>
+                <a:latin typeface="+mj-lt"/>
+              </a:rPr>
+              <a:t>React.createElement</a:t>
+            </a:r>
+            <a:r>
+              <a:rPr lang="en-US" altLang="zh-TW" sz="1800" b="1" dirty="0">
+                <a:solidFill>
+                  <a:schemeClr val="tx1"/>
+                </a:solidFill>
+                <a:latin typeface="+mj-lt"/>
+              </a:rPr>
+              <a:t> (HTML element, optional property, children of HTML element)</a:t>
+            </a:r>
+          </a:p>
+          <a:p>
+            <a:pPr marL="342900" indent="-342900" algn="l">
+              <a:buClr>
+                <a:srgbClr val="0070C0"/>
+              </a:buClr>
+              <a:buSzPct val="80000"/>
+              <a:buFont typeface="Wingdings" pitchFamily="2" charset="2"/>
+              <a:buChar char="u"/>
+            </a:pPr>
+            <a:r>
+              <a:rPr lang="en-US" altLang="zh-TW" sz="1800" b="1" dirty="0">
+                <a:solidFill>
+                  <a:schemeClr val="tx1"/>
+                </a:solidFill>
+                <a:latin typeface="+mj-lt"/>
+              </a:rPr>
+              <a:t>&gt; return </a:t>
+            </a:r>
+            <a:r>
+              <a:rPr lang="en-US" altLang="zh-TW" sz="1800" b="1" dirty="0" err="1">
+                <a:solidFill>
+                  <a:schemeClr val="tx1"/>
+                </a:solidFill>
+                <a:latin typeface="+mj-lt"/>
+              </a:rPr>
+              <a:t>React.createElement</a:t>
+            </a:r>
+            <a:r>
+              <a:rPr lang="en-US" altLang="zh-TW" sz="1800" b="1" dirty="0">
+                <a:solidFill>
+                  <a:schemeClr val="tx1"/>
+                </a:solidFill>
+                <a:latin typeface="+mj-lt"/>
+              </a:rPr>
+              <a:t> (‘div’, null, ‘Hello Peter’);</a:t>
+            </a:r>
+          </a:p>
+          <a:p>
+            <a:pPr marL="342900" indent="-342900" algn="l">
+              <a:buClr>
+                <a:srgbClr val="0070C0"/>
+              </a:buClr>
+              <a:buSzPct val="80000"/>
+              <a:buFont typeface="Wingdings" pitchFamily="2" charset="2"/>
+              <a:buChar char="u"/>
+            </a:pPr>
+            <a:r>
+              <a:rPr lang="en-US" altLang="zh-TW" sz="1800" b="1" dirty="0">
+                <a:solidFill>
+                  <a:schemeClr val="tx1"/>
+                </a:solidFill>
+                <a:latin typeface="+mj-lt"/>
+              </a:rPr>
+              <a:t>The third argument have to use </a:t>
+            </a:r>
+            <a:r>
+              <a:rPr lang="en-US" altLang="zh-TW" sz="1800" b="1" dirty="0" err="1">
+                <a:solidFill>
+                  <a:schemeClr val="tx1"/>
+                </a:solidFill>
+                <a:latin typeface="+mj-lt"/>
+              </a:rPr>
+              <a:t>createElement</a:t>
+            </a:r>
+            <a:r>
+              <a:rPr lang="en-US" altLang="zh-TW" sz="1800" b="1" dirty="0">
+                <a:solidFill>
+                  <a:schemeClr val="tx1"/>
+                </a:solidFill>
+                <a:latin typeface="+mj-lt"/>
+              </a:rPr>
+              <a:t>() to create element with ‘h1’ and text. 4</a:t>
+            </a:r>
+          </a:p>
+          <a:p>
+            <a:pPr marL="342900" indent="-342900" algn="l">
+              <a:buClr>
+                <a:srgbClr val="0070C0"/>
+              </a:buClr>
+              <a:buSzPct val="80000"/>
+              <a:buFont typeface="Wingdings" pitchFamily="2" charset="2"/>
+              <a:buChar char="u"/>
+            </a:pPr>
+            <a:r>
+              <a:rPr lang="en-US" altLang="zh-TW" sz="1800" b="1" dirty="0">
+                <a:solidFill>
+                  <a:schemeClr val="tx1"/>
+                </a:solidFill>
+                <a:latin typeface="+mj-lt"/>
+              </a:rPr>
+              <a:t>The second argument can be used for ID assignment and </a:t>
+            </a:r>
+            <a:r>
+              <a:rPr lang="en-US" altLang="zh-TW" sz="1800" b="1" dirty="0" err="1">
+                <a:solidFill>
+                  <a:schemeClr val="tx1"/>
+                </a:solidFill>
+                <a:latin typeface="+mj-lt"/>
+              </a:rPr>
+              <a:t>className</a:t>
+            </a:r>
+            <a:r>
+              <a:rPr lang="en-US" altLang="zh-TW" sz="1800" b="1" dirty="0">
+                <a:solidFill>
+                  <a:schemeClr val="tx1"/>
+                </a:solidFill>
+                <a:latin typeface="+mj-lt"/>
+              </a:rPr>
+              <a:t> assignment.</a:t>
+            </a:r>
+          </a:p>
+        </p:txBody>
+      </p:sp>
+      <p:sp>
+        <p:nvSpPr>
+          <p:cNvPr id="4" name="標題 1"/>
+          <p:cNvSpPr txBox="1">
+            <a:spLocks/>
+          </p:cNvSpPr>
+          <p:nvPr/>
+        </p:nvSpPr>
+        <p:spPr>
+          <a:xfrm>
+            <a:off x="0" y="764704"/>
+            <a:ext cx="9144000" cy="398616"/>
+          </a:xfrm>
+          <a:prstGeom prst="rect">
+            <a:avLst/>
+          </a:prstGeom>
           <a:gradFill flip="none" rotWithShape="1">
             <a:gsLst>
               <a:gs pos="0">
@@ -6275,24 +9003,18 @@
           </a:gradFill>
         </p:spPr>
         <p:txBody>
-          <a:bodyPr>
+          <a:bodyPr vert="horz" lIns="91440" tIns="45720" rIns="91440" bIns="45720" rtlCol="0" anchor="ctr">
             <a:normAutofit/>
           </a:bodyPr>
           <a:lstStyle/>
           <a:p>
             <a:r>
-              <a:rPr lang="en-US" altLang="zh-TW" sz="6000" b="1" dirty="0">
-                <a:solidFill>
-                  <a:srgbClr val="FFFF00"/>
-                </a:solidFill>
-              </a:rPr>
-              <a:t>End of Chapter</a:t>
-            </a:r>
-            <a:endParaRPr lang="zh-TW" altLang="en-US" sz="6000" b="1" dirty="0">
-              <a:solidFill>
-                <a:srgbClr val="FFFF00"/>
-              </a:solidFill>
-            </a:endParaRPr>
+              <a:rPr lang="en-US" sz="1600" dirty="0">
+                <a:hlinkClick r:id="rId2"/>
+              </a:rPr>
+              <a:t>https://www.youtube.com/watch?v=7fPXI_MnBOY&amp;list=PLC3y8-rFHvwgg3vaYJgHGnModB54rxOk3&amp;index=8</a:t>
+            </a:r>
+            <a:endParaRPr lang="en-US" altLang="zh-TW" sz="1600" b="1" i="1" dirty="0"/>
           </a:p>
         </p:txBody>
       </p:sp>
@@ -6306,15 +9028,20 @@
             <p:ph type="dt" sz="half" idx="10"/>
           </p:nvPr>
         </p:nvSpPr>
-        <p:spPr/>
+        <p:spPr>
+          <a:xfrm>
+            <a:off x="457200" y="6356350"/>
+            <a:ext cx="2133600" cy="404246"/>
+          </a:xfrm>
+        </p:spPr>
         <p:txBody>
           <a:bodyPr/>
           <a:lstStyle/>
           <a:p>
-            <a:fld id="{4E46BE27-E923-4EC2-B046-3272AE2A3E5C}" type="datetime1">
+            <a:fld id="{A4F910E6-8D00-4BAF-8C48-9688E0B449D3}" type="datetime1">
               <a:rPr lang="zh-TW" altLang="en-US" smtClean="0"/>
               <a:pPr/>
-              <a:t>2020/3/31</a:t>
+              <a:t>2020/6/28</a:t>
             </a:fld>
             <a:endParaRPr lang="zh-TW" altLang="en-US"/>
           </a:p>
@@ -6330,7 +9057,12 @@
             <p:ph type="sldNum" sz="quarter" idx="12"/>
           </p:nvPr>
         </p:nvSpPr>
-        <p:spPr/>
+        <p:spPr>
+          <a:xfrm>
+            <a:off x="6553200" y="6356350"/>
+            <a:ext cx="2133600" cy="404246"/>
+          </a:xfrm>
+        </p:spPr>
         <p:txBody>
           <a:bodyPr/>
           <a:lstStyle/>
@@ -6344,7 +9076,285 @@
           </a:p>
         </p:txBody>
       </p:sp>
+      <p:pic>
+        <p:nvPicPr>
+          <p:cNvPr id="9" name="Picture 8">
+            <a:extLst>
+              <a:ext uri="{FF2B5EF4-FFF2-40B4-BE49-F238E27FC236}">
+                <a16:creationId xmlns:a16="http://schemas.microsoft.com/office/drawing/2014/main" id="{80B5BA05-D703-442B-B08D-346E1E908F40}"/>
+              </a:ext>
+            </a:extLst>
+          </p:cNvPr>
+          <p:cNvPicPr>
+            <a:picLocks noChangeAspect="1"/>
+          </p:cNvPicPr>
+          <p:nvPr/>
+        </p:nvPicPr>
+        <p:blipFill>
+          <a:blip r:embed="rId3"/>
+          <a:stretch>
+            <a:fillRect/>
+          </a:stretch>
+        </p:blipFill>
+        <p:spPr>
+          <a:xfrm>
+            <a:off x="627634" y="3716859"/>
+            <a:ext cx="3881754" cy="2774709"/>
+          </a:xfrm>
+          <a:prstGeom prst="rect">
+            <a:avLst/>
+          </a:prstGeom>
+          <a:ln>
+            <a:solidFill>
+              <a:srgbClr val="C00000"/>
+            </a:solidFill>
+          </a:ln>
+        </p:spPr>
+      </p:pic>
+      <p:pic>
+        <p:nvPicPr>
+          <p:cNvPr id="10" name="Picture 9">
+            <a:extLst>
+              <a:ext uri="{FF2B5EF4-FFF2-40B4-BE49-F238E27FC236}">
+                <a16:creationId xmlns:a16="http://schemas.microsoft.com/office/drawing/2014/main" id="{5052B0F7-0877-461B-9AC0-1E13B0D9511D}"/>
+              </a:ext>
+            </a:extLst>
+          </p:cNvPr>
+          <p:cNvPicPr>
+            <a:picLocks noChangeAspect="1"/>
+          </p:cNvPicPr>
+          <p:nvPr/>
+        </p:nvPicPr>
+        <p:blipFill>
+          <a:blip r:embed="rId4"/>
+          <a:stretch>
+            <a:fillRect/>
+          </a:stretch>
+        </p:blipFill>
+        <p:spPr>
+          <a:xfrm>
+            <a:off x="4572000" y="3716859"/>
+            <a:ext cx="3993188" cy="2248871"/>
+          </a:xfrm>
+          <a:prstGeom prst="rect">
+            <a:avLst/>
+          </a:prstGeom>
+          <a:ln>
+            <a:solidFill>
+              <a:srgbClr val="C00000"/>
+            </a:solidFill>
+          </a:ln>
+        </p:spPr>
+      </p:pic>
+      <p:sp>
+        <p:nvSpPr>
+          <p:cNvPr id="7" name="Rectangle 6">
+            <a:extLst>
+              <a:ext uri="{FF2B5EF4-FFF2-40B4-BE49-F238E27FC236}">
+                <a16:creationId xmlns:a16="http://schemas.microsoft.com/office/drawing/2014/main" id="{798F4BFA-29A0-4EAA-9E16-68E83D6A5941}"/>
+              </a:ext>
+            </a:extLst>
+          </p:cNvPr>
+          <p:cNvSpPr/>
+          <p:nvPr/>
+        </p:nvSpPr>
+        <p:spPr>
+          <a:xfrm>
+            <a:off x="1187624" y="5157192"/>
+            <a:ext cx="3321764" cy="930130"/>
+          </a:xfrm>
+          <a:prstGeom prst="rect">
+            <a:avLst/>
+          </a:prstGeom>
+          <a:noFill/>
+          <a:ln>
+            <a:solidFill>
+              <a:srgbClr val="C00000"/>
+            </a:solidFill>
+          </a:ln>
+        </p:spPr>
+        <p:style>
+          <a:lnRef idx="2">
+            <a:schemeClr val="accent1">
+              <a:shade val="50000"/>
+            </a:schemeClr>
+          </a:lnRef>
+          <a:fillRef idx="1">
+            <a:schemeClr val="accent1"/>
+          </a:fillRef>
+          <a:effectRef idx="0">
+            <a:schemeClr val="accent1"/>
+          </a:effectRef>
+          <a:fontRef idx="minor">
+            <a:schemeClr val="lt1"/>
+          </a:fontRef>
+        </p:style>
+        <p:txBody>
+          <a:bodyPr rtlCol="0" anchor="ctr"/>
+          <a:lstStyle/>
+          <a:p>
+            <a:pPr algn="ctr"/>
+            <a:endParaRPr lang="en-US"/>
+          </a:p>
+        </p:txBody>
+      </p:sp>
     </p:spTree>
+    <p:extLst>
+      <p:ext uri="{BB962C8B-B14F-4D97-AF65-F5344CB8AC3E}">
+        <p14:creationId xmlns:p14="http://schemas.microsoft.com/office/powerpoint/2010/main" val="1638949556"/>
+      </p:ext>
+    </p:extLst>
+  </p:cSld>
+  <p:clrMapOvr>
+    <a:masterClrMapping/>
+  </p:clrMapOvr>
+</p:sld>
+</file>
+
+<file path=ppt/slides/slide9.xml><?xml version="1.0" encoding="utf-8"?>
+<p:sld xmlns:a="http://schemas.openxmlformats.org/drawingml/2006/main" xmlns:r="http://schemas.openxmlformats.org/officeDocument/2006/relationships" xmlns:p="http://schemas.openxmlformats.org/presentationml/2006/main">
+  <p:cSld>
+    <p:spTree>
+      <p:nvGrpSpPr>
+        <p:cNvPr id="1" name=""/>
+        <p:cNvGrpSpPr/>
+        <p:nvPr/>
+      </p:nvGrpSpPr>
+      <p:grpSpPr>
+        <a:xfrm>
+          <a:off x="0" y="0"/>
+          <a:ext cx="0" cy="0"/>
+          <a:chOff x="0" y="0"/>
+          <a:chExt cx="0" cy="0"/>
+        </a:xfrm>
+      </p:grpSpPr>
+      <p:sp>
+        <p:nvSpPr>
+          <p:cNvPr id="2" name="標題 1"/>
+          <p:cNvSpPr>
+            <a:spLocks noGrp="1"/>
+          </p:cNvSpPr>
+          <p:nvPr>
+            <p:ph type="ctrTitle"/>
+          </p:nvPr>
+        </p:nvSpPr>
+        <p:spPr>
+          <a:xfrm>
+            <a:off x="0" y="2130425"/>
+            <a:ext cx="9144000" cy="1470025"/>
+          </a:xfrm>
+          <a:solidFill>
+            <a:srgbClr val="00B0F0"/>
+          </a:solidFill>
+        </p:spPr>
+        <p:txBody>
+          <a:bodyPr>
+            <a:normAutofit/>
+          </a:bodyPr>
+          <a:lstStyle/>
+          <a:p>
+            <a:r>
+              <a:rPr lang="en-US" altLang="zh-TW" sz="4800" b="1" dirty="0">
+                <a:solidFill>
+                  <a:srgbClr val="FFFF00"/>
+                </a:solidFill>
+              </a:rPr>
+              <a:t>8.3 HTML vs. JSX</a:t>
+            </a:r>
+            <a:endParaRPr lang="zh-TW" altLang="en-US" sz="4800" b="1" dirty="0">
+              <a:solidFill>
+                <a:srgbClr val="FFFF00"/>
+              </a:solidFill>
+            </a:endParaRPr>
+          </a:p>
+        </p:txBody>
+      </p:sp>
+      <p:sp>
+        <p:nvSpPr>
+          <p:cNvPr id="5" name="日期版面配置區 4"/>
+          <p:cNvSpPr>
+            <a:spLocks noGrp="1"/>
+          </p:cNvSpPr>
+          <p:nvPr>
+            <p:ph type="dt" sz="half" idx="10"/>
+          </p:nvPr>
+        </p:nvSpPr>
+        <p:spPr/>
+        <p:txBody>
+          <a:bodyPr/>
+          <a:lstStyle/>
+          <a:p>
+            <a:fld id="{C389EDC9-19E3-47AC-9C57-C6A24DEA81AD}" type="datetime1">
+              <a:rPr lang="zh-TW" altLang="en-US" smtClean="0"/>
+              <a:pPr/>
+              <a:t>2020/6/28</a:t>
+            </a:fld>
+            <a:endParaRPr lang="zh-TW" altLang="en-US"/>
+          </a:p>
+        </p:txBody>
+      </p:sp>
+      <p:sp>
+        <p:nvSpPr>
+          <p:cNvPr id="6" name="投影片編號版面配置區 5"/>
+          <p:cNvSpPr>
+            <a:spLocks noGrp="1"/>
+          </p:cNvSpPr>
+          <p:nvPr>
+            <p:ph type="sldNum" sz="quarter" idx="12"/>
+          </p:nvPr>
+        </p:nvSpPr>
+        <p:spPr/>
+        <p:txBody>
+          <a:bodyPr/>
+          <a:lstStyle/>
+          <a:p>
+            <a:fld id="{E4D7E63D-91F2-4366-A2C4-1B00C9E2590E}" type="slidenum">
+              <a:rPr lang="zh-TW" altLang="en-US" smtClean="0"/>
+              <a:pPr/>
+              <a:t>9</a:t>
+            </a:fld>
+            <a:endParaRPr lang="zh-TW" altLang="en-US"/>
+          </a:p>
+        </p:txBody>
+      </p:sp>
+      <p:pic>
+        <p:nvPicPr>
+          <p:cNvPr id="2050" name="Picture 2"/>
+          <p:cNvPicPr>
+            <a:picLocks noChangeAspect="1" noChangeArrowheads="1"/>
+          </p:cNvPicPr>
+          <p:nvPr/>
+        </p:nvPicPr>
+        <p:blipFill>
+          <a:blip r:embed="rId2" cstate="print"/>
+          <a:srcRect/>
+          <a:stretch>
+            <a:fillRect/>
+          </a:stretch>
+        </p:blipFill>
+        <p:spPr bwMode="auto">
+          <a:xfrm>
+            <a:off x="4283968" y="3717032"/>
+            <a:ext cx="713805" cy="644588"/>
+          </a:xfrm>
+          <a:prstGeom prst="rect">
+            <a:avLst/>
+          </a:prstGeom>
+          <a:noFill/>
+          <a:ln w="9525">
+            <a:noFill/>
+            <a:miter lim="800000"/>
+            <a:headEnd/>
+            <a:tailEnd/>
+          </a:ln>
+        </p:spPr>
+      </p:pic>
+    </p:spTree>
+    <p:extLst>
+      <p:ext uri="{BB962C8B-B14F-4D97-AF65-F5344CB8AC3E}">
+        <p14:creationId xmlns:p14="http://schemas.microsoft.com/office/powerpoint/2010/main" val="337903949"/>
+      </p:ext>
+    </p:extLst>
   </p:cSld>
   <p:clrMapOvr>
     <a:masterClrMapping/>
